--- a/01_intro/LVM session 1.pptx
+++ b/01_intro/LVM session 1.pptx
@@ -5,7 +5,7 @@
     <p:sldMasterId id="2147483708" r:id="rId1"/>
   </p:sldMasterIdLst>
   <p:notesMasterIdLst>
-    <p:notesMasterId r:id="rId44"/>
+    <p:notesMasterId r:id="rId43"/>
   </p:notesMasterIdLst>
   <p:sldIdLst>
     <p:sldId id="257" r:id="rId2"/>
@@ -35,21 +35,20 @@
     <p:sldId id="282" r:id="rId26"/>
     <p:sldId id="283" r:id="rId27"/>
     <p:sldId id="284" r:id="rId28"/>
-    <p:sldId id="285" r:id="rId29"/>
-    <p:sldId id="286" r:id="rId30"/>
-    <p:sldId id="288" r:id="rId31"/>
-    <p:sldId id="289" r:id="rId32"/>
-    <p:sldId id="290" r:id="rId33"/>
-    <p:sldId id="291" r:id="rId34"/>
-    <p:sldId id="292" r:id="rId35"/>
-    <p:sldId id="293" r:id="rId36"/>
-    <p:sldId id="296" r:id="rId37"/>
-    <p:sldId id="297" r:id="rId38"/>
-    <p:sldId id="298" r:id="rId39"/>
-    <p:sldId id="299" r:id="rId40"/>
-    <p:sldId id="300" r:id="rId41"/>
-    <p:sldId id="308" r:id="rId42"/>
-    <p:sldId id="303" r:id="rId43"/>
+    <p:sldId id="286" r:id="rId29"/>
+    <p:sldId id="288" r:id="rId30"/>
+    <p:sldId id="289" r:id="rId31"/>
+    <p:sldId id="290" r:id="rId32"/>
+    <p:sldId id="291" r:id="rId33"/>
+    <p:sldId id="292" r:id="rId34"/>
+    <p:sldId id="293" r:id="rId35"/>
+    <p:sldId id="296" r:id="rId36"/>
+    <p:sldId id="297" r:id="rId37"/>
+    <p:sldId id="298" r:id="rId38"/>
+    <p:sldId id="299" r:id="rId39"/>
+    <p:sldId id="300" r:id="rId40"/>
+    <p:sldId id="308" r:id="rId41"/>
+    <p:sldId id="303" r:id="rId42"/>
   </p:sldIdLst>
   <p:sldSz cx="9144000" cy="6858000" type="screen4x3"/>
   <p:notesSz cx="6858000" cy="9144000"/>
@@ -249,7 +248,7 @@
           <a:p>
             <a:fld id="{A3D5429D-9A42-4EDB-BD46-D0A422A7A56A}" type="datetimeFigureOut">
               <a:rPr lang="nl-NL" smtClean="0"/>
-              <a:t>02-07-18</a:t>
+              <a:t>03-07-20</a:t>
             </a:fld>
             <a:endParaRPr lang="nl-NL"/>
           </a:p>
@@ -601,112 +600,6 @@
 </p:notes>
 </file>
 
-<file path=ppt/notesSlides/notesSlide10.xml><?xml version="1.0" encoding="utf-8"?>
-<p:notes xmlns:a="http://schemas.openxmlformats.org/drawingml/2006/main" xmlns:r="http://schemas.openxmlformats.org/officeDocument/2006/relationships" xmlns:p="http://schemas.openxmlformats.org/presentationml/2006/main">
-  <p:cSld>
-    <p:spTree>
-      <p:nvGrpSpPr>
-        <p:cNvPr id="1" name=""/>
-        <p:cNvGrpSpPr/>
-        <p:nvPr/>
-      </p:nvGrpSpPr>
-      <p:grpSpPr>
-        <a:xfrm>
-          <a:off x="0" y="0"/>
-          <a:ext cx="0" cy="0"/>
-          <a:chOff x="0" y="0"/>
-          <a:chExt cx="0" cy="0"/>
-        </a:xfrm>
-      </p:grpSpPr>
-      <p:sp>
-        <p:nvSpPr>
-          <p:cNvPr id="2" name="Slide Image Placeholder 1"/>
-          <p:cNvSpPr>
-            <a:spLocks noGrp="1" noRot="1" noChangeAspect="1"/>
-          </p:cNvSpPr>
-          <p:nvPr>
-            <p:ph type="sldImg"/>
-          </p:nvPr>
-        </p:nvSpPr>
-        <p:spPr/>
-      </p:sp>
-      <p:sp>
-        <p:nvSpPr>
-          <p:cNvPr id="3" name="Notes Placeholder 2"/>
-          <p:cNvSpPr>
-            <a:spLocks noGrp="1"/>
-          </p:cNvSpPr>
-          <p:nvPr>
-            <p:ph type="body" idx="1"/>
-          </p:nvPr>
-        </p:nvSpPr>
-        <p:spPr/>
-        <p:txBody>
-          <a:bodyPr/>
-          <a:lstStyle/>
-          <a:p>
-            <a:pPr marL="171450" indent="-171450">
-              <a:buFontTx/>
-              <a:buChar char="-"/>
-            </a:pPr>
-            <a:r>
-              <a:rPr lang="en-US" dirty="0"/>
-              <a:t>Give them password</a:t>
-            </a:r>
-          </a:p>
-          <a:p>
-            <a:pPr marL="171450" indent="-171450">
-              <a:buFontTx/>
-              <a:buChar char="-"/>
-            </a:pPr>
-            <a:r>
-              <a:rPr lang="en-US" dirty="0"/>
-              <a:t>Who does </a:t>
-            </a:r>
-            <a:r>
-              <a:rPr lang="en-US"/>
-              <a:t>not have the book?</a:t>
-            </a:r>
-            <a:endParaRPr lang="en-US" dirty="0"/>
-          </a:p>
-        </p:txBody>
-      </p:sp>
-      <p:sp>
-        <p:nvSpPr>
-          <p:cNvPr id="4" name="Slide Number Placeholder 3"/>
-          <p:cNvSpPr>
-            <a:spLocks noGrp="1"/>
-          </p:cNvSpPr>
-          <p:nvPr>
-            <p:ph type="sldNum" sz="quarter" idx="10"/>
-          </p:nvPr>
-        </p:nvSpPr>
-        <p:spPr/>
-        <p:txBody>
-          <a:bodyPr/>
-          <a:lstStyle/>
-          <a:p>
-            <a:fld id="{41848D0F-C123-4F06-975E-28BFB80D3FFC}" type="slidenum">
-              <a:rPr lang="nl-NL" smtClean="0"/>
-              <a:t>42</a:t>
-            </a:fld>
-            <a:endParaRPr lang="nl-NL"/>
-          </a:p>
-        </p:txBody>
-      </p:sp>
-    </p:spTree>
-    <p:extLst>
-      <p:ext uri="{BB962C8B-B14F-4D97-AF65-F5344CB8AC3E}">
-        <p14:creationId xmlns:p14="http://schemas.microsoft.com/office/powerpoint/2010/main" val="1324398476"/>
-      </p:ext>
-    </p:extLst>
-  </p:cSld>
-  <p:clrMapOvr>
-    <a:masterClrMapping/>
-  </p:clrMapOvr>
-</p:notes>
-</file>
-
 <file path=ppt/notesSlides/notesSlide2.xml><?xml version="1.0" encoding="utf-8"?>
 <p:notes xmlns:a="http://schemas.openxmlformats.org/drawingml/2006/main" xmlns:r="http://schemas.openxmlformats.org/officeDocument/2006/relationships" xmlns:p="http://schemas.openxmlformats.org/presentationml/2006/main">
   <p:cSld>
@@ -1303,32 +1196,6 @@
           <a:bodyPr/>
           <a:lstStyle/>
           <a:p>
-            <a:r>
-              <a:rPr lang="en-US" dirty="0"/>
-              <a:t>Psi:</a:t>
-            </a:r>
-            <a:r>
-              <a:rPr lang="en-US" baseline="0" dirty="0"/>
-              <a:t> symmetric</a:t>
-            </a:r>
-          </a:p>
-          <a:p>
-            <a:r>
-              <a:rPr lang="en-US" baseline="0" dirty="0"/>
-              <a:t>Beta: non-symmetric. </a:t>
-            </a:r>
-            <a:r>
-              <a:rPr lang="en-US" dirty="0"/>
-              <a:t>If A ~ B, then A is on</a:t>
-            </a:r>
-            <a:r>
-              <a:rPr lang="en-US" baseline="0" dirty="0"/>
-              <a:t> row, B is on column</a:t>
-            </a:r>
-            <a:r>
-              <a:rPr lang="en-US" dirty="0"/>
-              <a:t> </a:t>
-            </a:r>
             <a:endParaRPr lang="nl-NL" dirty="0"/>
           </a:p>
         </p:txBody>
@@ -1350,7 +1217,7 @@
           <a:p>
             <a:fld id="{41848D0F-C123-4F06-975E-28BFB80D3FFC}" type="slidenum">
               <a:rPr lang="nl-NL" smtClean="0"/>
-              <a:t>28</a:t>
+              <a:t>39</a:t>
             </a:fld>
             <a:endParaRPr lang="nl-NL"/>
           </a:p>
@@ -1359,7 +1226,7 @@
     </p:spTree>
     <p:extLst>
       <p:ext uri="{BB962C8B-B14F-4D97-AF65-F5344CB8AC3E}">
-        <p14:creationId xmlns:p14="http://schemas.microsoft.com/office/powerpoint/2010/main" val="2697994759"/>
+        <p14:creationId xmlns:p14="http://schemas.microsoft.com/office/powerpoint/2010/main" val="4145728024"/>
       </p:ext>
     </p:extLst>
   </p:cSld>
@@ -1413,7 +1280,29 @@
           <a:bodyPr/>
           <a:lstStyle/>
           <a:p>
-            <a:endParaRPr lang="nl-NL" dirty="0"/>
+            <a:pPr marL="171450" indent="-171450">
+              <a:buFontTx/>
+              <a:buChar char="-"/>
+            </a:pPr>
+            <a:r>
+              <a:rPr lang="en-US" dirty="0"/>
+              <a:t>Give them password</a:t>
+            </a:r>
+          </a:p>
+          <a:p>
+            <a:pPr marL="171450" indent="-171450">
+              <a:buFontTx/>
+              <a:buChar char="-"/>
+            </a:pPr>
+            <a:r>
+              <a:rPr lang="en-US" dirty="0"/>
+              <a:t>Who does </a:t>
+            </a:r>
+            <a:r>
+              <a:rPr lang="en-US"/>
+              <a:t>not have the book?</a:t>
+            </a:r>
+            <a:endParaRPr lang="en-US" dirty="0"/>
           </a:p>
         </p:txBody>
       </p:sp>
@@ -1434,7 +1323,7 @@
           <a:p>
             <a:fld id="{41848D0F-C123-4F06-975E-28BFB80D3FFC}" type="slidenum">
               <a:rPr lang="nl-NL" smtClean="0"/>
-              <a:t>40</a:t>
+              <a:t>41</a:t>
             </a:fld>
             <a:endParaRPr lang="nl-NL"/>
           </a:p>
@@ -1443,7 +1332,7 @@
     </p:spTree>
     <p:extLst>
       <p:ext uri="{BB962C8B-B14F-4D97-AF65-F5344CB8AC3E}">
-        <p14:creationId xmlns:p14="http://schemas.microsoft.com/office/powerpoint/2010/main" val="4145728024"/>
+        <p14:creationId xmlns:p14="http://schemas.microsoft.com/office/powerpoint/2010/main" val="1324398476"/>
       </p:ext>
     </p:extLst>
   </p:cSld>
@@ -1742,7 +1631,7 @@
           <a:p>
             <a:fld id="{D75A1B23-3A60-4121-B1D6-D46FCA86FE0C}" type="datetimeFigureOut">
               <a:rPr lang="nl-NL" smtClean="0"/>
-              <a:t>02-07-18</a:t>
+              <a:t>03-07-20</a:t>
             </a:fld>
             <a:endParaRPr lang="nl-NL"/>
           </a:p>
@@ -1932,7 +1821,7 @@
           <a:p>
             <a:fld id="{D75A1B23-3A60-4121-B1D6-D46FCA86FE0C}" type="datetimeFigureOut">
               <a:rPr lang="nl-NL" smtClean="0"/>
-              <a:t>02-07-18</a:t>
+              <a:t>03-07-20</a:t>
             </a:fld>
             <a:endParaRPr lang="nl-NL"/>
           </a:p>
@@ -2116,7 +2005,7 @@
           <a:p>
             <a:fld id="{D75A1B23-3A60-4121-B1D6-D46FCA86FE0C}" type="datetimeFigureOut">
               <a:rPr lang="nl-NL" smtClean="0"/>
-              <a:t>02-07-18</a:t>
+              <a:t>03-07-20</a:t>
             </a:fld>
             <a:endParaRPr lang="nl-NL"/>
           </a:p>
@@ -2378,7 +2267,7 @@
           <a:p>
             <a:fld id="{D75A1B23-3A60-4121-B1D6-D46FCA86FE0C}" type="datetimeFigureOut">
               <a:rPr lang="nl-NL" smtClean="0"/>
-              <a:t>02-07-18</a:t>
+              <a:t>03-07-20</a:t>
             </a:fld>
             <a:endParaRPr lang="nl-NL"/>
           </a:p>
@@ -2793,7 +2682,7 @@
           <a:p>
             <a:fld id="{D75A1B23-3A60-4121-B1D6-D46FCA86FE0C}" type="datetimeFigureOut">
               <a:rPr lang="nl-NL" smtClean="0"/>
-              <a:t>02-07-18</a:t>
+              <a:t>03-07-20</a:t>
             </a:fld>
             <a:endParaRPr lang="nl-NL"/>
           </a:p>
@@ -3034,7 +2923,7 @@
           <a:p>
             <a:fld id="{D75A1B23-3A60-4121-B1D6-D46FCA86FE0C}" type="datetimeFigureOut">
               <a:rPr lang="nl-NL" smtClean="0"/>
-              <a:t>02-07-18</a:t>
+              <a:t>03-07-20</a:t>
             </a:fld>
             <a:endParaRPr lang="nl-NL"/>
           </a:p>
@@ -3269,7 +3158,7 @@
           <a:p>
             <a:fld id="{D75A1B23-3A60-4121-B1D6-D46FCA86FE0C}" type="datetimeFigureOut">
               <a:rPr lang="nl-NL" smtClean="0"/>
-              <a:t>02-07-18</a:t>
+              <a:t>03-07-20</a:t>
             </a:fld>
             <a:endParaRPr lang="nl-NL"/>
           </a:p>
@@ -3463,7 +3352,7 @@
           <a:p>
             <a:fld id="{D75A1B23-3A60-4121-B1D6-D46FCA86FE0C}" type="datetimeFigureOut">
               <a:rPr lang="nl-NL" smtClean="0"/>
-              <a:t>02-07-18</a:t>
+              <a:t>03-07-20</a:t>
             </a:fld>
             <a:endParaRPr lang="nl-NL"/>
           </a:p>
@@ -3561,7 +3450,7 @@
           <a:p>
             <a:fld id="{D75A1B23-3A60-4121-B1D6-D46FCA86FE0C}" type="datetimeFigureOut">
               <a:rPr lang="nl-NL" smtClean="0"/>
-              <a:t>02-07-18</a:t>
+              <a:t>03-07-20</a:t>
             </a:fld>
             <a:endParaRPr lang="nl-NL"/>
           </a:p>
@@ -3696,7 +3585,7 @@
           <a:p>
             <a:fld id="{D75A1B23-3A60-4121-B1D6-D46FCA86FE0C}" type="datetimeFigureOut">
               <a:rPr lang="nl-NL" smtClean="0"/>
-              <a:t>02-07-18</a:t>
+              <a:t>03-07-20</a:t>
             </a:fld>
             <a:endParaRPr lang="nl-NL"/>
           </a:p>
@@ -4213,7 +4102,7 @@
           <a:p>
             <a:fld id="{D75A1B23-3A60-4121-B1D6-D46FCA86FE0C}" type="datetimeFigureOut">
               <a:rPr lang="nl-NL" smtClean="0"/>
-              <a:t>02-07-18</a:t>
+              <a:t>03-07-20</a:t>
             </a:fld>
             <a:endParaRPr lang="nl-NL"/>
           </a:p>
@@ -4472,7 +4361,7 @@
           <a:p>
             <a:fld id="{D75A1B23-3A60-4121-B1D6-D46FCA86FE0C}" type="datetimeFigureOut">
               <a:rPr lang="nl-NL" smtClean="0"/>
-              <a:t>02-07-18</a:t>
+              <a:t>03-07-20</a:t>
             </a:fld>
             <a:endParaRPr lang="nl-NL"/>
           </a:p>
@@ -10472,7 +10361,7 @@
           <a:graphicData uri="http://schemas.openxmlformats.org/presentationml/2006/ole">
             <mc:AlternateContent xmlns:mc="http://schemas.openxmlformats.org/markup-compatibility/2006">
               <mc:Choice xmlns:v="urn:schemas-microsoft-com:vml" Requires="v">
-                <p:oleObj spid="_x0000_s1145" name="Vergelijking" r:id="rId3" imgW="2184120" imgH="685800" progId="Equation.3">
+                <p:oleObj spid="_x0000_s1161" name="Vergelijking" r:id="rId3" imgW="2184120" imgH="685800" progId="Equation.3">
                   <p:embed/>
                 </p:oleObj>
               </mc:Choice>
@@ -11067,7 +10956,7 @@
           <a:graphicData uri="http://schemas.openxmlformats.org/presentationml/2006/ole">
             <mc:AlternateContent xmlns:mc="http://schemas.openxmlformats.org/markup-compatibility/2006">
               <mc:Choice xmlns:v="urn:schemas-microsoft-com:vml" Requires="v">
-                <p:oleObj spid="_x0000_s2295" name="Vergelijking" r:id="rId3" imgW="152280" imgH="203040" progId="Equation.3">
+                <p:oleObj spid="_x0000_s2327" name="Vergelijking" r:id="rId3" imgW="152280" imgH="203040" progId="Equation.3">
                   <p:embed/>
                 </p:oleObj>
               </mc:Choice>
@@ -11149,7 +11038,7 @@
           <a:graphicData uri="http://schemas.openxmlformats.org/presentationml/2006/ole">
             <mc:AlternateContent xmlns:mc="http://schemas.openxmlformats.org/markup-compatibility/2006">
               <mc:Choice xmlns:v="urn:schemas-microsoft-com:vml" Requires="v">
-                <p:oleObj spid="_x0000_s2296" name="Vergelijking" r:id="rId3" imgW="152280" imgH="203040" progId="Equation.3">
+                <p:oleObj spid="_x0000_s2328" name="Vergelijking" r:id="rId3" imgW="152280" imgH="203040" progId="Equation.3">
                   <p:embed/>
                 </p:oleObj>
               </mc:Choice>
@@ -12981,7 +12870,10 @@
           <a:bodyPr/>
           <a:lstStyle/>
           <a:p>
-            <a:endParaRPr lang="nl-NL" dirty="0"/>
+            <a:r>
+              <a:rPr lang="nl-NL" dirty="0"/>
+              <a:t>Teachers</a:t>
+            </a:r>
           </a:p>
         </p:txBody>
       </p:sp>
@@ -13007,7 +12899,7 @@
             </a:pPr>
             <a:r>
               <a:rPr lang="nl-NL" dirty="0"/>
-              <a:t>Dr. Julian Karch</a:t>
+              <a:t>Dr. Marjolein Fokkema</a:t>
             </a:r>
           </a:p>
           <a:p>
@@ -13016,32 +12908,7 @@
             </a:pPr>
             <a:r>
               <a:rPr lang="nl-NL" dirty="0" err="1"/>
-              <a:t>Methodology</a:t>
-            </a:r>
-            <a:r>
-              <a:rPr lang="nl-NL" dirty="0"/>
-              <a:t> and </a:t>
-            </a:r>
-            <a:r>
-              <a:rPr lang="nl-NL" dirty="0" err="1"/>
-              <a:t>Statistics</a:t>
-            </a:r>
-            <a:r>
-              <a:rPr lang="nl-NL" dirty="0"/>
-              <a:t> Unit</a:t>
-            </a:r>
-          </a:p>
-          <a:p>
-            <a:pPr>
-              <a:buNone/>
-            </a:pPr>
-            <a:r>
-              <a:rPr lang="nl-NL" dirty="0"/>
-              <a:t>Leiden </a:t>
-            </a:r>
-            <a:r>
-              <a:rPr lang="nl-NL" dirty="0" err="1"/>
-              <a:t>University</a:t>
+              <a:t>m.fokkema@fsw.leidenuniv.nl</a:t>
             </a:r>
             <a:endParaRPr lang="nl-NL" dirty="0"/>
           </a:p>
@@ -13057,7 +12924,7 @@
             </a:pPr>
             <a:r>
               <a:rPr lang="nl-NL" dirty="0"/>
-              <a:t>Room 3B15</a:t>
+              <a:t>Dr. Julian Karch</a:t>
             </a:r>
           </a:p>
           <a:p>
@@ -13068,6 +12935,53 @@
               <a:rPr lang="nl-NL" dirty="0" err="1"/>
               <a:t>j.d.karch@fsw.leidenuniv.nl</a:t>
             </a:r>
+            <a:endParaRPr lang="nl-NL" dirty="0"/>
+          </a:p>
+          <a:p>
+            <a:pPr>
+              <a:buNone/>
+            </a:pPr>
+            <a:endParaRPr lang="nl-NL" dirty="0"/>
+          </a:p>
+          <a:p>
+            <a:pPr>
+              <a:buNone/>
+            </a:pPr>
+            <a:r>
+              <a:rPr lang="nl-NL" dirty="0" err="1"/>
+              <a:t>Methodology</a:t>
+            </a:r>
+            <a:r>
+              <a:rPr lang="nl-NL" dirty="0"/>
+              <a:t> and </a:t>
+            </a:r>
+            <a:r>
+              <a:rPr lang="nl-NL" dirty="0" err="1"/>
+              <a:t>Statistics</a:t>
+            </a:r>
+            <a:r>
+              <a:rPr lang="nl-NL" dirty="0"/>
+              <a:t> Unit</a:t>
+            </a:r>
+          </a:p>
+          <a:p>
+            <a:pPr>
+              <a:buNone/>
+            </a:pPr>
+            <a:r>
+              <a:rPr lang="nl-NL" dirty="0"/>
+              <a:t>Leiden </a:t>
+            </a:r>
+            <a:r>
+              <a:rPr lang="nl-NL" dirty="0" err="1"/>
+              <a:t>University</a:t>
+            </a:r>
+            <a:endParaRPr lang="nl-NL" dirty="0"/>
+          </a:p>
+          <a:p>
+            <a:pPr>
+              <a:buNone/>
+            </a:pPr>
             <a:endParaRPr lang="nl-NL" dirty="0"/>
           </a:p>
         </p:txBody>
@@ -13915,7 +13829,7 @@
           <a:graphicData uri="http://schemas.openxmlformats.org/presentationml/2006/ole">
             <mc:AlternateContent xmlns:mc="http://schemas.openxmlformats.org/markup-compatibility/2006">
               <mc:Choice xmlns:v="urn:schemas-microsoft-com:vml" Requires="v">
-                <p:oleObj spid="_x0000_s4218" name="Vergelijking" r:id="rId7" imgW="139680" imgH="203040" progId="Equation.3">
+                <p:oleObj spid="_x0000_s4234" name="Vergelijking" r:id="rId7" imgW="139680" imgH="203040" progId="Equation.3">
                   <p:embed/>
                 </p:oleObj>
               </mc:Choice>
@@ -14806,7 +14720,7 @@
           <a:graphicData uri="http://schemas.openxmlformats.org/presentationml/2006/ole">
             <mc:AlternateContent xmlns:mc="http://schemas.openxmlformats.org/markup-compatibility/2006">
               <mc:Choice xmlns:v="urn:schemas-microsoft-com:vml" Requires="v">
-                <p:oleObj spid="_x0000_s5241" name="Vergelijking" r:id="rId6" imgW="139680" imgH="203040" progId="Equation.3">
+                <p:oleObj spid="_x0000_s5257" name="Vergelijking" r:id="rId6" imgW="139680" imgH="203040" progId="Equation.3">
                   <p:embed/>
                 </p:oleObj>
               </mc:Choice>
@@ -17239,7 +17153,7 @@
           <a:graphicData uri="http://schemas.openxmlformats.org/presentationml/2006/ole">
             <mc:AlternateContent xmlns:mc="http://schemas.openxmlformats.org/markup-compatibility/2006">
               <mc:Choice xmlns:v="urn:schemas-microsoft-com:vml" Requires="v">
-                <p:oleObj spid="_x0000_s6267" name="Vergelijking" r:id="rId3" imgW="114120" imgH="215640" progId="Equation.3">
+                <p:oleObj spid="_x0000_s6283" name="Vergelijking" r:id="rId3" imgW="114120" imgH="215640" progId="Equation.3">
                   <p:embed/>
                 </p:oleObj>
               </mc:Choice>
@@ -18094,234 +18008,6 @@
           <a:chExt cx="0" cy="0"/>
         </a:xfrm>
       </p:grpSpPr>
-      <p:pic>
-        <p:nvPicPr>
-          <p:cNvPr id="6" name="Picture 1" descr="C:\Users\User\Downloads\Beaujean\full keith model.jpeg"/>
-          <p:cNvPicPr>
-            <a:picLocks noChangeAspect="1" noChangeArrowheads="1"/>
-          </p:cNvPicPr>
-          <p:nvPr/>
-        </p:nvPicPr>
-        <p:blipFill>
-          <a:blip r:embed="rId4" cstate="print"/>
-          <a:srcRect l="9879" t="6233" r="10371" b="3581"/>
-          <a:stretch>
-            <a:fillRect/>
-          </a:stretch>
-        </p:blipFill>
-        <p:spPr bwMode="auto">
-          <a:xfrm>
-            <a:off x="4211960" y="1628800"/>
-            <a:ext cx="4272439" cy="3278963"/>
-          </a:xfrm>
-          <a:prstGeom prst="rect">
-            <a:avLst/>
-          </a:prstGeom>
-          <a:noFill/>
-        </p:spPr>
-      </p:pic>
-      <p:sp>
-        <p:nvSpPr>
-          <p:cNvPr id="2" name="Titel 1"/>
-          <p:cNvSpPr>
-            <a:spLocks noGrp="1"/>
-          </p:cNvSpPr>
-          <p:nvPr>
-            <p:ph type="title"/>
-          </p:nvPr>
-        </p:nvSpPr>
-        <p:spPr/>
-        <p:txBody>
-          <a:bodyPr>
-            <a:normAutofit fontScale="90000"/>
-          </a:bodyPr>
-          <a:lstStyle/>
-          <a:p>
-            <a:r>
-              <a:rPr lang="nl-NL" dirty="0" err="1"/>
-              <a:t>Structural</a:t>
-            </a:r>
-            <a:r>
-              <a:rPr lang="nl-NL" dirty="0"/>
-              <a:t> model (no </a:t>
-            </a:r>
-            <a:r>
-              <a:rPr lang="nl-NL" dirty="0" err="1"/>
-              <a:t>measurement</a:t>
-            </a:r>
-            <a:r>
-              <a:rPr lang="nl-NL" dirty="0"/>
-              <a:t> model)</a:t>
-            </a:r>
-          </a:p>
-        </p:txBody>
-      </p:sp>
-      <p:sp>
-        <p:nvSpPr>
-          <p:cNvPr id="3" name="Tijdelijke aanduiding voor inhoud 2"/>
-          <p:cNvSpPr>
-            <a:spLocks noGrp="1"/>
-          </p:cNvSpPr>
-          <p:nvPr>
-            <p:ph sz="quarter" idx="1"/>
-          </p:nvPr>
-        </p:nvSpPr>
-        <p:spPr/>
-        <p:txBody>
-          <a:bodyPr/>
-          <a:lstStyle/>
-          <a:p>
-            <a:pPr>
-              <a:buNone/>
-            </a:pPr>
-            <a:r>
-              <a:rPr lang="nl-NL" dirty="0"/>
-              <a:t>	</a:t>
-            </a:r>
-          </a:p>
-          <a:p>
-            <a:endParaRPr lang="nl-NL" dirty="0"/>
-          </a:p>
-          <a:p>
-            <a:endParaRPr lang="nl-NL" dirty="0"/>
-          </a:p>
-          <a:p>
-            <a:endParaRPr lang="nl-NL" dirty="0"/>
-          </a:p>
-        </p:txBody>
-      </p:sp>
-      <p:graphicFrame>
-        <p:nvGraphicFramePr>
-          <p:cNvPr id="35843" name="Object 3"/>
-          <p:cNvGraphicFramePr>
-            <a:graphicFrameLocks noChangeAspect="1"/>
-          </p:cNvGraphicFramePr>
-          <p:nvPr/>
-        </p:nvGraphicFramePr>
-        <p:xfrm>
-          <a:off x="2747963" y="5141913"/>
-          <a:ext cx="255587" cy="481012"/>
-        </p:xfrm>
-        <a:graphic>
-          <a:graphicData uri="http://schemas.openxmlformats.org/presentationml/2006/ole">
-            <mc:AlternateContent xmlns:mc="http://schemas.openxmlformats.org/markup-compatibility/2006">
-              <mc:Choice xmlns:v="urn:schemas-microsoft-com:vml" Requires="v">
-                <p:oleObj spid="_x0000_s7289" name="Vergelijking" r:id="rId5" imgW="114120" imgH="215640" progId="Equation.3">
-                  <p:embed/>
-                </p:oleObj>
-              </mc:Choice>
-              <mc:Fallback>
-                <p:oleObj name="Vergelijking" r:id="rId5" imgW="114120" imgH="215640" progId="Equation.3">
-                  <p:embed/>
-                  <p:pic>
-                    <p:nvPicPr>
-                      <p:cNvPr id="0" name=""/>
-                      <p:cNvPicPr>
-                        <a:picLocks noChangeAspect="1" noChangeArrowheads="1"/>
-                      </p:cNvPicPr>
-                      <p:nvPr/>
-                    </p:nvPicPr>
-                    <p:blipFill>
-                      <a:blip r:embed="rId6">
-                        <a:extLst>
-                          <a:ext uri="{28A0092B-C50C-407E-A947-70E740481C1C}">
-                            <a14:useLocalDpi xmlns:a14="http://schemas.microsoft.com/office/drawing/2010/main" val="0"/>
-                          </a:ext>
-                        </a:extLst>
-                      </a:blip>
-                      <a:srcRect/>
-                      <a:stretch>
-                        <a:fillRect/>
-                      </a:stretch>
-                    </p:blipFill>
-                    <p:spPr bwMode="auto">
-                      <a:xfrm>
-                        <a:off x="2747963" y="5141913"/>
-                        <a:ext cx="255587" cy="481012"/>
-                      </a:xfrm>
-                      <a:prstGeom prst="rect">
-                        <a:avLst/>
-                      </a:prstGeom>
-                      <a:noFill/>
-                      <a:extLst>
-                        <a:ext uri="{909E8E84-426E-40DD-AFC4-6F175D3DCCD1}">
-                          <a14:hiddenFill xmlns:a14="http://schemas.microsoft.com/office/drawing/2010/main">
-                            <a:solidFill>
-                              <a:srgbClr val="FFFFFF"/>
-                            </a:solidFill>
-                          </a14:hiddenFill>
-                        </a:ext>
-                      </a:extLst>
-                    </p:spPr>
-                  </p:pic>
-                </p:oleObj>
-              </mc:Fallback>
-            </mc:AlternateContent>
-          </a:graphicData>
-        </a:graphic>
-      </p:graphicFrame>
-      <p:pic>
-        <p:nvPicPr>
-          <p:cNvPr id="39942" name="Picture 6"/>
-          <p:cNvPicPr>
-            <a:picLocks noChangeAspect="1" noChangeArrowheads="1"/>
-          </p:cNvPicPr>
-          <p:nvPr/>
-        </p:nvPicPr>
-        <p:blipFill>
-          <a:blip r:embed="rId7" cstate="print"/>
-          <a:srcRect l="744" t="64242" r="72488" b="8576"/>
-          <a:stretch>
-            <a:fillRect/>
-          </a:stretch>
-        </p:blipFill>
-        <p:spPr bwMode="auto">
-          <a:xfrm>
-            <a:off x="467544" y="3789040"/>
-            <a:ext cx="4414437" cy="2520280"/>
-          </a:xfrm>
-          <a:prstGeom prst="rect">
-            <a:avLst/>
-          </a:prstGeom>
-          <a:noFill/>
-          <a:ln w="9525">
-            <a:noFill/>
-            <a:miter lim="800000"/>
-            <a:headEnd/>
-            <a:tailEnd/>
-          </a:ln>
-        </p:spPr>
-      </p:pic>
-    </p:spTree>
-    <p:extLst>
-      <p:ext uri="{BB962C8B-B14F-4D97-AF65-F5344CB8AC3E}">
-        <p14:creationId xmlns:p14="http://schemas.microsoft.com/office/powerpoint/2010/main" val="37039917"/>
-      </p:ext>
-    </p:extLst>
-  </p:cSld>
-  <p:clrMapOvr>
-    <a:masterClrMapping/>
-  </p:clrMapOvr>
-</p:sld>
-</file>
-
-<file path=ppt/slides/slide29.xml><?xml version="1.0" encoding="utf-8"?>
-<p:sld xmlns:a="http://schemas.openxmlformats.org/drawingml/2006/main" xmlns:r="http://schemas.openxmlformats.org/officeDocument/2006/relationships" xmlns:p="http://schemas.openxmlformats.org/presentationml/2006/main">
-  <p:cSld>
-    <p:spTree>
-      <p:nvGrpSpPr>
-        <p:cNvPr id="1" name=""/>
-        <p:cNvGrpSpPr/>
-        <p:nvPr/>
-      </p:nvGrpSpPr>
-      <p:grpSpPr>
-        <a:xfrm>
-          <a:off x="0" y="0"/>
-          <a:ext cx="0" cy="0"/>
-          <a:chOff x="0" y="0"/>
-          <a:chExt cx="0" cy="0"/>
-        </a:xfrm>
-      </p:grpSpPr>
       <p:sp>
         <p:nvSpPr>
           <p:cNvPr id="2" name="Titel 1"/>
@@ -18711,7 +18397,7 @@
           <a:graphicData uri="http://schemas.openxmlformats.org/presentationml/2006/ole">
             <mc:AlternateContent xmlns:mc="http://schemas.openxmlformats.org/markup-compatibility/2006">
               <mc:Choice xmlns:v="urn:schemas-microsoft-com:vml" Requires="v">
-                <p:oleObj spid="_x0000_s8438" name="Vergelijking" r:id="rId3" imgW="2095200" imgH="266400" progId="Equation.3">
+                <p:oleObj spid="_x0000_s8470" name="Vergelijking" r:id="rId3" imgW="2095200" imgH="266400" progId="Equation.3">
                   <p:embed/>
                 </p:oleObj>
               </mc:Choice>
@@ -18787,7 +18473,7 @@
           <a:graphicData uri="http://schemas.openxmlformats.org/presentationml/2006/ole">
             <mc:AlternateContent xmlns:mc="http://schemas.openxmlformats.org/markup-compatibility/2006">
               <mc:Choice xmlns:v="urn:schemas-microsoft-com:vml" Requires="v">
-                <p:oleObj spid="_x0000_s8439" name="Vergelijking" r:id="rId5" imgW="1511280" imgH="266400" progId="Equation.3">
+                <p:oleObj spid="_x0000_s8471" name="Vergelijking" r:id="rId5" imgW="1511280" imgH="266400" progId="Equation.3">
                   <p:embed/>
                 </p:oleObj>
               </mc:Choice>
@@ -19155,186 +18841,7 @@
 </p:sld>
 </file>
 
-<file path=ppt/slides/slide3.xml><?xml version="1.0" encoding="utf-8"?>
-<p:sld xmlns:a="http://schemas.openxmlformats.org/drawingml/2006/main" xmlns:r="http://schemas.openxmlformats.org/officeDocument/2006/relationships" xmlns:p="http://schemas.openxmlformats.org/presentationml/2006/main">
-  <p:cSld>
-    <p:spTree>
-      <p:nvGrpSpPr>
-        <p:cNvPr id="1" name=""/>
-        <p:cNvGrpSpPr/>
-        <p:nvPr/>
-      </p:nvGrpSpPr>
-      <p:grpSpPr>
-        <a:xfrm>
-          <a:off x="0" y="0"/>
-          <a:ext cx="0" cy="0"/>
-          <a:chOff x="0" y="0"/>
-          <a:chExt cx="0" cy="0"/>
-        </a:xfrm>
-      </p:grpSpPr>
-      <p:sp>
-        <p:nvSpPr>
-          <p:cNvPr id="2" name="Titel 1"/>
-          <p:cNvSpPr>
-            <a:spLocks noGrp="1"/>
-          </p:cNvSpPr>
-          <p:nvPr>
-            <p:ph type="title"/>
-          </p:nvPr>
-        </p:nvSpPr>
-        <p:spPr/>
-        <p:txBody>
-          <a:bodyPr/>
-          <a:lstStyle/>
-          <a:p>
-            <a:r>
-              <a:rPr lang="nl-NL" dirty="0" err="1"/>
-              <a:t>Class</a:t>
-            </a:r>
-            <a:r>
-              <a:rPr lang="nl-NL" dirty="0"/>
-              <a:t> </a:t>
-            </a:r>
-            <a:r>
-              <a:rPr lang="nl-NL" dirty="0" err="1"/>
-              <a:t>outline</a:t>
-            </a:r>
-            <a:endParaRPr lang="nl-NL" dirty="0"/>
-          </a:p>
-        </p:txBody>
-      </p:sp>
-      <p:sp>
-        <p:nvSpPr>
-          <p:cNvPr id="3" name="Tijdelijke aanduiding voor inhoud 2"/>
-          <p:cNvSpPr>
-            <a:spLocks noGrp="1"/>
-          </p:cNvSpPr>
-          <p:nvPr>
-            <p:ph sz="quarter" idx="1"/>
-          </p:nvPr>
-        </p:nvSpPr>
-        <p:spPr/>
-        <p:txBody>
-          <a:bodyPr/>
-          <a:lstStyle/>
-          <a:p>
-            <a:r>
-              <a:rPr lang="nl-NL" dirty="0"/>
-              <a:t>General </a:t>
-            </a:r>
-            <a:r>
-              <a:rPr lang="nl-NL" dirty="0" err="1"/>
-              <a:t>administrative</a:t>
-            </a:r>
-            <a:r>
-              <a:rPr lang="nl-NL" dirty="0"/>
-              <a:t> stuff</a:t>
-            </a:r>
-          </a:p>
-          <a:p>
-            <a:r>
-              <a:rPr lang="nl-NL" dirty="0" err="1"/>
-              <a:t>Introduction</a:t>
-            </a:r>
-            <a:r>
-              <a:rPr lang="nl-NL" dirty="0"/>
-              <a:t> </a:t>
-            </a:r>
-            <a:r>
-              <a:rPr lang="nl-NL" dirty="0" err="1"/>
-              <a:t>to</a:t>
-            </a:r>
-            <a:r>
-              <a:rPr lang="nl-NL" dirty="0"/>
-              <a:t> </a:t>
-            </a:r>
-            <a:r>
-              <a:rPr lang="nl-NL" b="1" dirty="0" err="1"/>
-              <a:t>structural</a:t>
-            </a:r>
-            <a:r>
-              <a:rPr lang="nl-NL" b="1" dirty="0"/>
-              <a:t> </a:t>
-            </a:r>
-            <a:r>
-              <a:rPr lang="nl-NL" b="1" dirty="0" err="1"/>
-              <a:t>equation</a:t>
-            </a:r>
-            <a:r>
-              <a:rPr lang="nl-NL" b="1" dirty="0"/>
-              <a:t> </a:t>
-            </a:r>
-            <a:r>
-              <a:rPr lang="nl-NL" b="1" dirty="0" err="1"/>
-              <a:t>modeling</a:t>
-            </a:r>
-            <a:r>
-              <a:rPr lang="nl-NL" b="1" dirty="0"/>
-              <a:t> (SEM)</a:t>
-            </a:r>
-          </a:p>
-          <a:p>
-            <a:r>
-              <a:rPr lang="nl-NL" dirty="0" err="1"/>
-              <a:t>Selected</a:t>
-            </a:r>
-            <a:r>
-              <a:rPr lang="nl-NL" dirty="0"/>
-              <a:t> topics </a:t>
-            </a:r>
-            <a:r>
-              <a:rPr lang="nl-NL" dirty="0" err="1"/>
-              <a:t>from</a:t>
-            </a:r>
-            <a:r>
-              <a:rPr lang="nl-NL" dirty="0"/>
-              <a:t> </a:t>
-            </a:r>
-            <a:r>
-              <a:rPr lang="nl-NL" dirty="0" err="1"/>
-              <a:t>chapter</a:t>
-            </a:r>
-            <a:r>
-              <a:rPr lang="nl-NL" dirty="0"/>
-              <a:t> 2 of </a:t>
-            </a:r>
-            <a:r>
-              <a:rPr lang="nl-NL" dirty="0" err="1"/>
-              <a:t>Beaujean</a:t>
-            </a:r>
-            <a:endParaRPr lang="nl-NL" dirty="0"/>
-          </a:p>
-          <a:p>
-            <a:r>
-              <a:rPr lang="nl-NL" dirty="0" err="1"/>
-              <a:t>Exercises</a:t>
-            </a:r>
-            <a:r>
-              <a:rPr lang="nl-NL" dirty="0"/>
-              <a:t> / lab </a:t>
-            </a:r>
-            <a:r>
-              <a:rPr lang="nl-NL" dirty="0" err="1"/>
-              <a:t>session</a:t>
-            </a:r>
-            <a:endParaRPr lang="nl-NL" dirty="0"/>
-          </a:p>
-        </p:txBody>
-      </p:sp>
-    </p:spTree>
-    <p:extLst>
-      <p:ext uri="{BB962C8B-B14F-4D97-AF65-F5344CB8AC3E}">
-        <p14:creationId xmlns:p14="http://schemas.microsoft.com/office/powerpoint/2010/main" val="2021102803"/>
-      </p:ext>
-    </p:extLst>
-  </p:cSld>
-  <p:clrMapOvr>
-    <a:masterClrMapping/>
-  </p:clrMapOvr>
-</p:sld>
-</file>
-
-<file path=ppt/slides/slide30.xml><?xml version="1.0" encoding="utf-8"?>
+<file path=ppt/slides/slide29.xml><?xml version="1.0" encoding="utf-8"?>
 <p:sld xmlns:a="http://schemas.openxmlformats.org/drawingml/2006/main" xmlns:r="http://schemas.openxmlformats.org/officeDocument/2006/relationships" xmlns:p="http://schemas.openxmlformats.org/presentationml/2006/main">
   <p:cSld>
     <p:spTree>
@@ -19843,7 +19350,186 @@
 </p:sld>
 </file>
 
-<file path=ppt/slides/slide31.xml><?xml version="1.0" encoding="utf-8"?>
+<file path=ppt/slides/slide3.xml><?xml version="1.0" encoding="utf-8"?>
+<p:sld xmlns:a="http://schemas.openxmlformats.org/drawingml/2006/main" xmlns:r="http://schemas.openxmlformats.org/officeDocument/2006/relationships" xmlns:p="http://schemas.openxmlformats.org/presentationml/2006/main">
+  <p:cSld>
+    <p:spTree>
+      <p:nvGrpSpPr>
+        <p:cNvPr id="1" name=""/>
+        <p:cNvGrpSpPr/>
+        <p:nvPr/>
+      </p:nvGrpSpPr>
+      <p:grpSpPr>
+        <a:xfrm>
+          <a:off x="0" y="0"/>
+          <a:ext cx="0" cy="0"/>
+          <a:chOff x="0" y="0"/>
+          <a:chExt cx="0" cy="0"/>
+        </a:xfrm>
+      </p:grpSpPr>
+      <p:sp>
+        <p:nvSpPr>
+          <p:cNvPr id="2" name="Titel 1"/>
+          <p:cNvSpPr>
+            <a:spLocks noGrp="1"/>
+          </p:cNvSpPr>
+          <p:nvPr>
+            <p:ph type="title"/>
+          </p:nvPr>
+        </p:nvSpPr>
+        <p:spPr/>
+        <p:txBody>
+          <a:bodyPr/>
+          <a:lstStyle/>
+          <a:p>
+            <a:r>
+              <a:rPr lang="nl-NL" dirty="0" err="1"/>
+              <a:t>Class</a:t>
+            </a:r>
+            <a:r>
+              <a:rPr lang="nl-NL" dirty="0"/>
+              <a:t> </a:t>
+            </a:r>
+            <a:r>
+              <a:rPr lang="nl-NL" dirty="0" err="1"/>
+              <a:t>outline</a:t>
+            </a:r>
+            <a:endParaRPr lang="nl-NL" dirty="0"/>
+          </a:p>
+        </p:txBody>
+      </p:sp>
+      <p:sp>
+        <p:nvSpPr>
+          <p:cNvPr id="3" name="Tijdelijke aanduiding voor inhoud 2"/>
+          <p:cNvSpPr>
+            <a:spLocks noGrp="1"/>
+          </p:cNvSpPr>
+          <p:nvPr>
+            <p:ph sz="quarter" idx="1"/>
+          </p:nvPr>
+        </p:nvSpPr>
+        <p:spPr/>
+        <p:txBody>
+          <a:bodyPr/>
+          <a:lstStyle/>
+          <a:p>
+            <a:r>
+              <a:rPr lang="nl-NL" dirty="0"/>
+              <a:t>General </a:t>
+            </a:r>
+            <a:r>
+              <a:rPr lang="nl-NL" dirty="0" err="1"/>
+              <a:t>administrative</a:t>
+            </a:r>
+            <a:r>
+              <a:rPr lang="nl-NL" dirty="0"/>
+              <a:t> stuff</a:t>
+            </a:r>
+          </a:p>
+          <a:p>
+            <a:r>
+              <a:rPr lang="nl-NL" dirty="0" err="1"/>
+              <a:t>Introduction</a:t>
+            </a:r>
+            <a:r>
+              <a:rPr lang="nl-NL" dirty="0"/>
+              <a:t> </a:t>
+            </a:r>
+            <a:r>
+              <a:rPr lang="nl-NL" dirty="0" err="1"/>
+              <a:t>to</a:t>
+            </a:r>
+            <a:r>
+              <a:rPr lang="nl-NL" dirty="0"/>
+              <a:t> </a:t>
+            </a:r>
+            <a:r>
+              <a:rPr lang="nl-NL" b="1" dirty="0" err="1"/>
+              <a:t>structural</a:t>
+            </a:r>
+            <a:r>
+              <a:rPr lang="nl-NL" b="1" dirty="0"/>
+              <a:t> </a:t>
+            </a:r>
+            <a:r>
+              <a:rPr lang="nl-NL" b="1" dirty="0" err="1"/>
+              <a:t>equation</a:t>
+            </a:r>
+            <a:r>
+              <a:rPr lang="nl-NL" b="1" dirty="0"/>
+              <a:t> </a:t>
+            </a:r>
+            <a:r>
+              <a:rPr lang="nl-NL" b="1" dirty="0" err="1"/>
+              <a:t>modeling</a:t>
+            </a:r>
+            <a:r>
+              <a:rPr lang="nl-NL" b="1" dirty="0"/>
+              <a:t> (SEM)</a:t>
+            </a:r>
+          </a:p>
+          <a:p>
+            <a:r>
+              <a:rPr lang="nl-NL" dirty="0" err="1"/>
+              <a:t>Selected</a:t>
+            </a:r>
+            <a:r>
+              <a:rPr lang="nl-NL" dirty="0"/>
+              <a:t> topics </a:t>
+            </a:r>
+            <a:r>
+              <a:rPr lang="nl-NL" dirty="0" err="1"/>
+              <a:t>from</a:t>
+            </a:r>
+            <a:r>
+              <a:rPr lang="nl-NL" dirty="0"/>
+              <a:t> </a:t>
+            </a:r>
+            <a:r>
+              <a:rPr lang="nl-NL" dirty="0" err="1"/>
+              <a:t>chapter</a:t>
+            </a:r>
+            <a:r>
+              <a:rPr lang="nl-NL" dirty="0"/>
+              <a:t> 2 of </a:t>
+            </a:r>
+            <a:r>
+              <a:rPr lang="nl-NL" dirty="0" err="1"/>
+              <a:t>Beaujean</a:t>
+            </a:r>
+            <a:endParaRPr lang="nl-NL" dirty="0"/>
+          </a:p>
+          <a:p>
+            <a:r>
+              <a:rPr lang="nl-NL" dirty="0" err="1"/>
+              <a:t>Exercises</a:t>
+            </a:r>
+            <a:r>
+              <a:rPr lang="nl-NL" dirty="0"/>
+              <a:t> / lab </a:t>
+            </a:r>
+            <a:r>
+              <a:rPr lang="nl-NL" dirty="0" err="1"/>
+              <a:t>session</a:t>
+            </a:r>
+            <a:endParaRPr lang="nl-NL" dirty="0"/>
+          </a:p>
+        </p:txBody>
+      </p:sp>
+    </p:spTree>
+    <p:extLst>
+      <p:ext uri="{BB962C8B-B14F-4D97-AF65-F5344CB8AC3E}">
+        <p14:creationId xmlns:p14="http://schemas.microsoft.com/office/powerpoint/2010/main" val="2021102803"/>
+      </p:ext>
+    </p:extLst>
+  </p:cSld>
+  <p:clrMapOvr>
+    <a:masterClrMapping/>
+  </p:clrMapOvr>
+</p:sld>
+</file>
+
+<file path=ppt/slides/slide30.xml><?xml version="1.0" encoding="utf-8"?>
 <p:sld xmlns:a="http://schemas.openxmlformats.org/drawingml/2006/main" xmlns:r="http://schemas.openxmlformats.org/officeDocument/2006/relationships" xmlns:p="http://schemas.openxmlformats.org/presentationml/2006/main">
   <p:cSld>
     <p:spTree>
@@ -19921,7 +19607,7 @@
 </p:sld>
 </file>
 
-<file path=ppt/slides/slide32.xml><?xml version="1.0" encoding="utf-8"?>
+<file path=ppt/slides/slide31.xml><?xml version="1.0" encoding="utf-8"?>
 <p:sld xmlns:a="http://schemas.openxmlformats.org/drawingml/2006/main" xmlns:r="http://schemas.openxmlformats.org/officeDocument/2006/relationships" xmlns:p="http://schemas.openxmlformats.org/presentationml/2006/main">
   <p:cSld>
     <p:spTree>
@@ -20300,7 +19986,7 @@
 </p:sld>
 </file>
 
-<file path=ppt/slides/slide33.xml><?xml version="1.0" encoding="utf-8"?>
+<file path=ppt/slides/slide32.xml><?xml version="1.0" encoding="utf-8"?>
 <p:sld xmlns:a="http://schemas.openxmlformats.org/drawingml/2006/main" xmlns:r="http://schemas.openxmlformats.org/officeDocument/2006/relationships" xmlns:p="http://schemas.openxmlformats.org/presentationml/2006/main">
   <p:cSld>
     <p:spTree>
@@ -21419,7 +21105,7 @@
 </p:sld>
 </file>
 
-<file path=ppt/slides/slide34.xml><?xml version="1.0" encoding="utf-8"?>
+<file path=ppt/slides/slide33.xml><?xml version="1.0" encoding="utf-8"?>
 <p:sld xmlns:a="http://schemas.openxmlformats.org/drawingml/2006/main" xmlns:r="http://schemas.openxmlformats.org/officeDocument/2006/relationships" xmlns:p="http://schemas.openxmlformats.org/presentationml/2006/main">
   <p:cSld>
     <p:spTree>
@@ -21858,7 +21544,7 @@
 </p:sld>
 </file>
 
-<file path=ppt/slides/slide35.xml><?xml version="1.0" encoding="utf-8"?>
+<file path=ppt/slides/slide34.xml><?xml version="1.0" encoding="utf-8"?>
 <p:sld xmlns:a="http://schemas.openxmlformats.org/drawingml/2006/main" xmlns:r="http://schemas.openxmlformats.org/officeDocument/2006/relationships" xmlns:p="http://schemas.openxmlformats.org/presentationml/2006/main">
   <p:cSld>
     <p:spTree>
@@ -22169,7 +21855,7 @@
           <a:graphicData uri="http://schemas.openxmlformats.org/presentationml/2006/ole">
             <mc:AlternateContent xmlns:mc="http://schemas.openxmlformats.org/markup-compatibility/2006">
               <mc:Choice xmlns:v="urn:schemas-microsoft-com:vml" Requires="v">
-                <p:oleObj spid="_x0000_s9458" name="Vergelijking" r:id="rId3" imgW="1193760" imgH="431640" progId="Equation.3">
+                <p:oleObj spid="_x0000_s9490" name="Vergelijking" r:id="rId3" imgW="1193760" imgH="431640" progId="Equation.3">
                   <p:embed/>
                 </p:oleObj>
               </mc:Choice>
@@ -22239,7 +21925,7 @@
           <a:graphicData uri="http://schemas.openxmlformats.org/presentationml/2006/ole">
             <mc:AlternateContent xmlns:mc="http://schemas.openxmlformats.org/markup-compatibility/2006">
               <mc:Choice xmlns:v="urn:schemas-microsoft-com:vml" Requires="v">
-                <p:oleObj spid="_x0000_s9459" name="Vergelijking" r:id="rId5" imgW="1434960" imgH="431640" progId="Equation.3">
+                <p:oleObj spid="_x0000_s9491" name="Vergelijking" r:id="rId5" imgW="1434960" imgH="431640" progId="Equation.3">
                   <p:embed/>
                 </p:oleObj>
               </mc:Choice>
@@ -22529,7 +22215,7 @@
 </p:sld>
 </file>
 
-<file path=ppt/slides/slide36.xml><?xml version="1.0" encoding="utf-8"?>
+<file path=ppt/slides/slide35.xml><?xml version="1.0" encoding="utf-8"?>
 <p:sld xmlns:a="http://schemas.openxmlformats.org/drawingml/2006/main" xmlns:r="http://schemas.openxmlformats.org/officeDocument/2006/relationships" xmlns:p="http://schemas.openxmlformats.org/presentationml/2006/main">
   <p:cSld>
     <p:spTree>
@@ -23050,7 +22736,7 @@
 </p:sld>
 </file>
 
-<file path=ppt/slides/slide37.xml><?xml version="1.0" encoding="utf-8"?>
+<file path=ppt/slides/slide36.xml><?xml version="1.0" encoding="utf-8"?>
 <p:sld xmlns:a="http://schemas.openxmlformats.org/drawingml/2006/main" xmlns:r="http://schemas.openxmlformats.org/officeDocument/2006/relationships" xmlns:p="http://schemas.openxmlformats.org/presentationml/2006/main">
   <p:cSld>
     <p:spTree>
@@ -23808,7 +23494,7 @@
 </p:sld>
 </file>
 
-<file path=ppt/slides/slide38.xml><?xml version="1.0" encoding="utf-8"?>
+<file path=ppt/slides/slide37.xml><?xml version="1.0" encoding="utf-8"?>
 <p:sld xmlns:a="http://schemas.openxmlformats.org/drawingml/2006/main" xmlns:r="http://schemas.openxmlformats.org/officeDocument/2006/relationships" xmlns:p="http://schemas.openxmlformats.org/presentationml/2006/main">
   <p:cSld>
     <p:spTree>
@@ -23920,7 +23606,7 @@
 </p:sld>
 </file>
 
-<file path=ppt/slides/slide39.xml><?xml version="1.0" encoding="utf-8"?>
+<file path=ppt/slides/slide38.xml><?xml version="1.0" encoding="utf-8"?>
 <p:sld xmlns:a="http://schemas.openxmlformats.org/drawingml/2006/main" xmlns:r="http://schemas.openxmlformats.org/officeDocument/2006/relationships" xmlns:p="http://schemas.openxmlformats.org/presentationml/2006/main">
   <p:cSld>
     <p:spTree>
@@ -24120,764 +23806,7 @@
 </p:sld>
 </file>
 
-<file path=ppt/slides/slide4.xml><?xml version="1.0" encoding="utf-8"?>
-<p:sld xmlns:a="http://schemas.openxmlformats.org/drawingml/2006/main" xmlns:r="http://schemas.openxmlformats.org/officeDocument/2006/relationships" xmlns:p="http://schemas.openxmlformats.org/presentationml/2006/main">
-  <p:cSld>
-    <p:spTree>
-      <p:nvGrpSpPr>
-        <p:cNvPr id="1" name=""/>
-        <p:cNvGrpSpPr/>
-        <p:nvPr/>
-      </p:nvGrpSpPr>
-      <p:grpSpPr>
-        <a:xfrm>
-          <a:off x="0" y="0"/>
-          <a:ext cx="0" cy="0"/>
-          <a:chOff x="0" y="0"/>
-          <a:chExt cx="0" cy="0"/>
-        </a:xfrm>
-      </p:grpSpPr>
-      <p:sp>
-        <p:nvSpPr>
-          <p:cNvPr id="2" name="Titel 1"/>
-          <p:cNvSpPr>
-            <a:spLocks noGrp="1"/>
-          </p:cNvSpPr>
-          <p:nvPr>
-            <p:ph type="title"/>
-          </p:nvPr>
-        </p:nvSpPr>
-        <p:spPr/>
-        <p:txBody>
-          <a:bodyPr/>
-          <a:lstStyle/>
-          <a:p>
-            <a:r>
-              <a:rPr lang="en-US" dirty="0"/>
-              <a:t>Course schedule</a:t>
-            </a:r>
-            <a:endParaRPr lang="nl-NL" dirty="0"/>
-          </a:p>
-        </p:txBody>
-      </p:sp>
-      <p:graphicFrame>
-        <p:nvGraphicFramePr>
-          <p:cNvPr id="4" name="Content Placeholder 3"/>
-          <p:cNvGraphicFramePr>
-            <a:graphicFrameLocks noGrp="1"/>
-          </p:cNvGraphicFramePr>
-          <p:nvPr>
-            <p:ph sz="quarter" idx="1"/>
-            <p:extLst>
-              <p:ext uri="{D42A27DB-BD31-4B8C-83A1-F6EECF244321}">
-                <p14:modId xmlns:p14="http://schemas.microsoft.com/office/powerpoint/2010/main" val="3282434040"/>
-              </p:ext>
-            </p:extLst>
-          </p:nvPr>
-        </p:nvGraphicFramePr>
-        <p:xfrm>
-          <a:off x="467544" y="1628801"/>
-          <a:ext cx="8496943" cy="4824535"/>
-        </p:xfrm>
-        <a:graphic>
-          <a:graphicData uri="http://schemas.openxmlformats.org/drawingml/2006/table">
-            <a:tbl>
-              <a:tblPr firstRow="1" firstCol="1" bandRow="1">
-                <a:tableStyleId>{5C22544A-7EE6-4342-B048-85BDC9FD1C3A}</a:tableStyleId>
-              </a:tblPr>
-              <a:tblGrid>
-                <a:gridCol w="1098742">
-                  <a:extLst>
-                    <a:ext uri="{9D8B030D-6E8A-4147-A177-3AD203B41FA5}">
-                      <a16:colId xmlns:a16="http://schemas.microsoft.com/office/drawing/2014/main" val="20000"/>
-                    </a:ext>
-                  </a:extLst>
-                </a:gridCol>
-                <a:gridCol w="1808107">
-                  <a:extLst>
-                    <a:ext uri="{9D8B030D-6E8A-4147-A177-3AD203B41FA5}">
-                      <a16:colId xmlns:a16="http://schemas.microsoft.com/office/drawing/2014/main" val="20001"/>
-                    </a:ext>
-                  </a:extLst>
-                </a:gridCol>
-                <a:gridCol w="169630">
-                  <a:extLst>
-                    <a:ext uri="{9D8B030D-6E8A-4147-A177-3AD203B41FA5}">
-                      <a16:colId xmlns:a16="http://schemas.microsoft.com/office/drawing/2014/main" val="20002"/>
-                    </a:ext>
-                  </a:extLst>
-                </a:gridCol>
-                <a:gridCol w="2401813">
-                  <a:extLst>
-                    <a:ext uri="{9D8B030D-6E8A-4147-A177-3AD203B41FA5}">
-                      <a16:colId xmlns:a16="http://schemas.microsoft.com/office/drawing/2014/main" val="20003"/>
-                    </a:ext>
-                  </a:extLst>
-                </a:gridCol>
-                <a:gridCol w="3018651">
-                  <a:extLst>
-                    <a:ext uri="{9D8B030D-6E8A-4147-A177-3AD203B41FA5}">
-                      <a16:colId xmlns:a16="http://schemas.microsoft.com/office/drawing/2014/main" val="20004"/>
-                    </a:ext>
-                  </a:extLst>
-                </a:gridCol>
-              </a:tblGrid>
-              <a:tr h="837001">
-                <a:tc>
-                  <a:txBody>
-                    <a:bodyPr/>
-                    <a:lstStyle/>
-                    <a:p>
-                      <a:pPr algn="ctr">
-                        <a:lnSpc>
-                          <a:spcPct val="115000"/>
-                        </a:lnSpc>
-                        <a:spcBef>
-                          <a:spcPts val="600"/>
-                        </a:spcBef>
-                        <a:spcAft>
-                          <a:spcPts val="600"/>
-                        </a:spcAft>
-                      </a:pPr>
-                      <a:r>
-                        <a:rPr lang="en-US" sz="2000" dirty="0">
-                          <a:effectLst/>
-                        </a:rPr>
-                        <a:t> </a:t>
-                      </a:r>
-                      <a:endParaRPr lang="nl-NL" sz="2000" dirty="0">
-                        <a:effectLst/>
-                        <a:latin typeface="Calibri"/>
-                        <a:ea typeface="Calibri"/>
-                        <a:cs typeface="Times New Roman"/>
-                      </a:endParaRPr>
-                    </a:p>
-                  </a:txBody>
-                  <a:tcPr marL="36195" marR="36195" marT="0" marB="0"/>
-                </a:tc>
-                <a:tc gridSpan="2">
-                  <a:txBody>
-                    <a:bodyPr/>
-                    <a:lstStyle/>
-                    <a:p>
-                      <a:pPr algn="ctr">
-                        <a:lnSpc>
-                          <a:spcPct val="115000"/>
-                        </a:lnSpc>
-                        <a:spcBef>
-                          <a:spcPts val="600"/>
-                        </a:spcBef>
-                        <a:spcAft>
-                          <a:spcPts val="600"/>
-                        </a:spcAft>
-                      </a:pPr>
-                      <a:r>
-                        <a:rPr lang="en-US" sz="2000" dirty="0">
-                          <a:effectLst/>
-                        </a:rPr>
-                        <a:t>Monday 03.07.</a:t>
-                      </a:r>
-                      <a:endParaRPr lang="nl-NL" sz="2000" dirty="0">
-                        <a:effectLst/>
-                        <a:latin typeface="Calibri"/>
-                        <a:ea typeface="Calibri"/>
-                        <a:cs typeface="Times New Roman"/>
-                      </a:endParaRPr>
-                    </a:p>
-                  </a:txBody>
-                  <a:tcPr marL="36195" marR="36195" marT="0" marB="0"/>
-                </a:tc>
-                <a:tc hMerge="1">
-                  <a:txBody>
-                    <a:bodyPr/>
-                    <a:lstStyle/>
-                    <a:p>
-                      <a:pPr algn="ctr">
-                        <a:lnSpc>
-                          <a:spcPct val="115000"/>
-                        </a:lnSpc>
-                        <a:spcBef>
-                          <a:spcPts val="600"/>
-                        </a:spcBef>
-                        <a:spcAft>
-                          <a:spcPts val="600"/>
-                        </a:spcAft>
-                      </a:pPr>
-                      <a:endParaRPr lang="en-US" sz="2400" dirty="0">
-                        <a:effectLst/>
-                        <a:latin typeface="Calibri"/>
-                        <a:ea typeface="Calibri"/>
-                        <a:cs typeface="Times New Roman"/>
-                      </a:endParaRPr>
-                    </a:p>
-                  </a:txBody>
-                  <a:tcPr marL="36195" marR="36195" marT="0" marB="0"/>
-                </a:tc>
-                <a:tc>
-                  <a:txBody>
-                    <a:bodyPr/>
-                    <a:lstStyle/>
-                    <a:p>
-                      <a:pPr algn="ctr">
-                        <a:lnSpc>
-                          <a:spcPct val="115000"/>
-                        </a:lnSpc>
-                        <a:spcBef>
-                          <a:spcPts val="600"/>
-                        </a:spcBef>
-                        <a:spcAft>
-                          <a:spcPts val="600"/>
-                        </a:spcAft>
-                      </a:pPr>
-                      <a:r>
-                        <a:rPr lang="en-US" sz="2000" dirty="0">
-                          <a:effectLst/>
-                          <a:latin typeface="Calibri"/>
-                          <a:ea typeface="Calibri"/>
-                          <a:cs typeface="Times New Roman"/>
-                        </a:rPr>
-                        <a:t>Tuesday </a:t>
-                      </a:r>
-                      <a:r>
-                        <a:rPr lang="nl-NL" sz="2000" dirty="0">
-                          <a:effectLst/>
-                          <a:latin typeface="Calibri"/>
-                          <a:ea typeface="Calibri"/>
-                          <a:cs typeface="Times New Roman"/>
-                        </a:rPr>
-                        <a:t>04.07.</a:t>
-                      </a:r>
-                      <a:endParaRPr lang="en-US" sz="2000" dirty="0">
-                        <a:effectLst/>
-                        <a:latin typeface="Calibri"/>
-                        <a:ea typeface="Calibri"/>
-                        <a:cs typeface="Times New Roman"/>
-                      </a:endParaRPr>
-                    </a:p>
-                  </a:txBody>
-                  <a:tcPr marL="36195" marR="36195" marT="0" marB="0"/>
-                </a:tc>
-                <a:tc>
-                  <a:txBody>
-                    <a:bodyPr/>
-                    <a:lstStyle/>
-                    <a:p>
-                      <a:pPr algn="ctr">
-                        <a:lnSpc>
-                          <a:spcPct val="115000"/>
-                        </a:lnSpc>
-                        <a:spcBef>
-                          <a:spcPts val="600"/>
-                        </a:spcBef>
-                        <a:spcAft>
-                          <a:spcPts val="600"/>
-                        </a:spcAft>
-                      </a:pPr>
-                      <a:r>
-                        <a:rPr lang="en-US" sz="2000" dirty="0">
-                          <a:effectLst/>
-                          <a:latin typeface="Calibri"/>
-                          <a:ea typeface="Calibri"/>
-                          <a:cs typeface="Times New Roman"/>
-                        </a:rPr>
-                        <a:t>Thursday 05.07.</a:t>
-                      </a:r>
-                    </a:p>
-                  </a:txBody>
-                  <a:tcPr marL="36195" marR="36195" marT="0" marB="0"/>
-                </a:tc>
-                <a:extLst>
-                  <a:ext uri="{0D108BD9-81ED-4DB2-BD59-A6C34878D82A}">
-                    <a16:rowId xmlns:a16="http://schemas.microsoft.com/office/drawing/2014/main" val="10000"/>
-                  </a:ext>
-                </a:extLst>
-              </a:tr>
-              <a:tr h="1391961">
-                <a:tc>
-                  <a:txBody>
-                    <a:bodyPr/>
-                    <a:lstStyle/>
-                    <a:p>
-                      <a:pPr algn="ctr">
-                        <a:lnSpc>
-                          <a:spcPct val="115000"/>
-                        </a:lnSpc>
-                        <a:spcBef>
-                          <a:spcPts val="600"/>
-                        </a:spcBef>
-                        <a:spcAft>
-                          <a:spcPts val="600"/>
-                        </a:spcAft>
-                      </a:pPr>
-                      <a:r>
-                        <a:rPr lang="en-US" sz="2000" dirty="0">
-                          <a:effectLst/>
-                        </a:rPr>
-                        <a:t>10:00-13:00</a:t>
-                      </a:r>
-                      <a:endParaRPr lang="nl-NL" sz="2000" dirty="0">
-                        <a:effectLst/>
-                        <a:latin typeface="Calibri"/>
-                        <a:ea typeface="Calibri"/>
-                        <a:cs typeface="Times New Roman"/>
-                      </a:endParaRPr>
-                    </a:p>
-                  </a:txBody>
-                  <a:tcPr marL="68580" marR="68580" marT="0" marB="0"/>
-                </a:tc>
-                <a:tc gridSpan="2">
-                  <a:txBody>
-                    <a:bodyPr/>
-                    <a:lstStyle/>
-                    <a:p>
-                      <a:pPr algn="ctr">
-                        <a:lnSpc>
-                          <a:spcPct val="115000"/>
-                        </a:lnSpc>
-                        <a:spcBef>
-                          <a:spcPts val="600"/>
-                        </a:spcBef>
-                        <a:spcAft>
-                          <a:spcPts val="600"/>
-                        </a:spcAft>
-                      </a:pPr>
-                      <a:r>
-                        <a:rPr lang="en-US" sz="2000" dirty="0">
-                          <a:effectLst/>
-                        </a:rPr>
-                        <a:t>Introduction / path models</a:t>
-                      </a:r>
-                      <a:endParaRPr lang="nl-NL" sz="2000" dirty="0">
-                        <a:effectLst/>
-                        <a:latin typeface="Calibri"/>
-                        <a:ea typeface="Calibri"/>
-                        <a:cs typeface="Times New Roman"/>
-                      </a:endParaRPr>
-                    </a:p>
-                  </a:txBody>
-                  <a:tcPr marL="68580" marR="68580" marT="0" marB="0"/>
-                </a:tc>
-                <a:tc hMerge="1">
-                  <a:txBody>
-                    <a:bodyPr/>
-                    <a:lstStyle/>
-                    <a:p>
-                      <a:pPr algn="ctr">
-                        <a:lnSpc>
-                          <a:spcPct val="115000"/>
-                        </a:lnSpc>
-                        <a:spcBef>
-                          <a:spcPts val="0"/>
-                        </a:spcBef>
-                        <a:spcAft>
-                          <a:spcPts val="0"/>
-                        </a:spcAft>
-                      </a:pPr>
-                      <a:endParaRPr lang="nl-NL" sz="2400" dirty="0">
-                        <a:effectLst/>
-                        <a:latin typeface="Calibri"/>
-                        <a:ea typeface="Calibri"/>
-                        <a:cs typeface="Times New Roman"/>
-                      </a:endParaRPr>
-                    </a:p>
-                  </a:txBody>
-                  <a:tcPr marL="68580" marR="68580" marT="0" marB="0"/>
-                </a:tc>
-                <a:tc>
-                  <a:txBody>
-                    <a:bodyPr/>
-                    <a:lstStyle/>
-                    <a:p>
-                      <a:pPr algn="ctr">
-                        <a:lnSpc>
-                          <a:spcPct val="115000"/>
-                        </a:lnSpc>
-                        <a:spcBef>
-                          <a:spcPts val="0"/>
-                        </a:spcBef>
-                        <a:spcAft>
-                          <a:spcPts val="0"/>
-                        </a:spcAft>
-                      </a:pPr>
-                      <a:r>
-                        <a:rPr lang="en-US" sz="2000" dirty="0">
-                          <a:effectLst/>
-                          <a:latin typeface="+mn-lt"/>
-                          <a:ea typeface="+mn-ea"/>
-                          <a:cs typeface="+mn-cs"/>
-                        </a:rPr>
-                        <a:t>Latent</a:t>
-                      </a:r>
-                      <a:r>
-                        <a:rPr lang="en-US" sz="2000" baseline="0" dirty="0">
-                          <a:effectLst/>
-                          <a:latin typeface="+mn-lt"/>
-                          <a:ea typeface="+mn-ea"/>
-                          <a:cs typeface="+mn-cs"/>
-                        </a:rPr>
-                        <a:t> growth curve models</a:t>
-                      </a:r>
-                      <a:endParaRPr lang="nl-NL" sz="2000" dirty="0">
-                        <a:effectLst/>
-                        <a:latin typeface="Calibri"/>
-                        <a:ea typeface="Calibri"/>
-                        <a:cs typeface="Times New Roman"/>
-                      </a:endParaRPr>
-                    </a:p>
-                  </a:txBody>
-                  <a:tcPr marL="68580" marR="68580" marT="0" marB="0"/>
-                </a:tc>
-                <a:tc>
-                  <a:txBody>
-                    <a:bodyPr/>
-                    <a:lstStyle/>
-                    <a:p>
-                      <a:pPr algn="ctr">
-                        <a:lnSpc>
-                          <a:spcPct val="115000"/>
-                        </a:lnSpc>
-                        <a:spcBef>
-                          <a:spcPts val="0"/>
-                        </a:spcBef>
-                        <a:spcAft>
-                          <a:spcPts val="0"/>
-                        </a:spcAft>
-                      </a:pPr>
-                      <a:r>
-                        <a:rPr lang="en-US" sz="2000" dirty="0">
-                          <a:effectLst/>
-                          <a:latin typeface="Calibri"/>
-                          <a:ea typeface="Calibri"/>
-                          <a:cs typeface="Times New Roman"/>
-                        </a:rPr>
-                        <a:t>Measurement</a:t>
-                      </a:r>
-                      <a:r>
-                        <a:rPr lang="en-US" sz="2000" baseline="0" dirty="0">
-                          <a:effectLst/>
-                          <a:latin typeface="Calibri"/>
-                          <a:ea typeface="Calibri"/>
-                          <a:cs typeface="Times New Roman"/>
-                        </a:rPr>
-                        <a:t> invariance / multiple group models</a:t>
-                      </a:r>
-                      <a:endParaRPr lang="nl-NL" sz="2000" dirty="0">
-                        <a:effectLst/>
-                        <a:latin typeface="Calibri"/>
-                        <a:ea typeface="Calibri"/>
-                        <a:cs typeface="Times New Roman"/>
-                      </a:endParaRPr>
-                    </a:p>
-                  </a:txBody>
-                  <a:tcPr marL="68580" marR="68580" marT="0" marB="0"/>
-                </a:tc>
-                <a:extLst>
-                  <a:ext uri="{0D108BD9-81ED-4DB2-BD59-A6C34878D82A}">
-                    <a16:rowId xmlns:a16="http://schemas.microsoft.com/office/drawing/2014/main" val="10001"/>
-                  </a:ext>
-                </a:extLst>
-              </a:tr>
-              <a:tr h="1113568">
-                <a:tc>
-                  <a:txBody>
-                    <a:bodyPr/>
-                    <a:lstStyle/>
-                    <a:p>
-                      <a:pPr algn="ctr">
-                        <a:lnSpc>
-                          <a:spcPct val="115000"/>
-                        </a:lnSpc>
-                        <a:spcBef>
-                          <a:spcPts val="600"/>
-                        </a:spcBef>
-                        <a:spcAft>
-                          <a:spcPts val="600"/>
-                        </a:spcAft>
-                      </a:pPr>
-                      <a:r>
-                        <a:rPr lang="en-US" sz="2000" dirty="0">
-                          <a:effectLst/>
-                        </a:rPr>
-                        <a:t>13:00-13:30</a:t>
-                      </a:r>
-                      <a:endParaRPr lang="nl-NL" sz="2000" dirty="0">
-                        <a:effectLst/>
-                        <a:latin typeface="Calibri"/>
-                        <a:ea typeface="Calibri"/>
-                        <a:cs typeface="Times New Roman"/>
-                      </a:endParaRPr>
-                    </a:p>
-                  </a:txBody>
-                  <a:tcPr marL="68580" marR="68580" marT="0" marB="0"/>
-                </a:tc>
-                <a:tc gridSpan="4">
-                  <a:txBody>
-                    <a:bodyPr/>
-                    <a:lstStyle/>
-                    <a:p>
-                      <a:pPr algn="ctr"/>
-                      <a:r>
-                        <a:rPr lang="en-US" sz="2000" dirty="0"/>
-                        <a:t>Lunch break</a:t>
-                      </a:r>
-                      <a:endParaRPr lang="nl-NL" sz="2000" dirty="0"/>
-                    </a:p>
-                  </a:txBody>
-                  <a:tcPr marL="68580" marR="68580" marT="0" marB="0"/>
-                </a:tc>
-                <a:tc hMerge="1">
-                  <a:txBody>
-                    <a:bodyPr/>
-                    <a:lstStyle/>
-                    <a:p>
-                      <a:endParaRPr lang="nl-NL" dirty="0"/>
-                    </a:p>
-                  </a:txBody>
-                  <a:tcPr marL="68580" marR="68580" marT="0" marB="0"/>
-                </a:tc>
-                <a:tc hMerge="1">
-                  <a:txBody>
-                    <a:bodyPr/>
-                    <a:lstStyle/>
-                    <a:p>
-                      <a:endParaRPr lang="nl-NL"/>
-                    </a:p>
-                  </a:txBody>
-                  <a:tcPr/>
-                </a:tc>
-                <a:tc hMerge="1">
-                  <a:txBody>
-                    <a:bodyPr/>
-                    <a:lstStyle/>
-                    <a:p>
-                      <a:endParaRPr lang="nl-NL" dirty="0"/>
-                    </a:p>
-                  </a:txBody>
-                  <a:tcPr marL="68580" marR="68580" marT="0" marB="0"/>
-                </a:tc>
-                <a:extLst>
-                  <a:ext uri="{0D108BD9-81ED-4DB2-BD59-A6C34878D82A}">
-                    <a16:rowId xmlns:a16="http://schemas.microsoft.com/office/drawing/2014/main" val="10002"/>
-                  </a:ext>
-                </a:extLst>
-              </a:tr>
-              <a:tr h="1482005">
-                <a:tc>
-                  <a:txBody>
-                    <a:bodyPr/>
-                    <a:lstStyle/>
-                    <a:p>
-                      <a:pPr algn="ctr">
-                        <a:lnSpc>
-                          <a:spcPct val="115000"/>
-                        </a:lnSpc>
-                        <a:spcBef>
-                          <a:spcPts val="600"/>
-                        </a:spcBef>
-                        <a:spcAft>
-                          <a:spcPts val="600"/>
-                        </a:spcAft>
-                      </a:pPr>
-                      <a:r>
-                        <a:rPr lang="en-US" sz="2000">
-                          <a:effectLst/>
-                        </a:rPr>
-                        <a:t>13:30-16:30</a:t>
-                      </a:r>
-                      <a:endParaRPr lang="nl-NL" sz="2000" dirty="0">
-                        <a:effectLst/>
-                        <a:latin typeface="Calibri"/>
-                        <a:ea typeface="Calibri"/>
-                        <a:cs typeface="Times New Roman"/>
-                      </a:endParaRPr>
-                    </a:p>
-                  </a:txBody>
-                  <a:tcPr marL="68580" marR="68580" marT="0" marB="0"/>
-                </a:tc>
-                <a:tc>
-                  <a:txBody>
-                    <a:bodyPr/>
-                    <a:lstStyle/>
-                    <a:p>
-                      <a:pPr algn="ctr">
-                        <a:lnSpc>
-                          <a:spcPct val="115000"/>
-                        </a:lnSpc>
-                        <a:spcBef>
-                          <a:spcPts val="600"/>
-                        </a:spcBef>
-                        <a:spcAft>
-                          <a:spcPts val="600"/>
-                        </a:spcAft>
-                      </a:pPr>
-                      <a:r>
-                        <a:rPr lang="en-US" sz="2000" dirty="0">
-                          <a:effectLst/>
-                          <a:latin typeface="+mn-lt"/>
-                          <a:ea typeface="+mn-ea"/>
-                          <a:cs typeface="+mn-cs"/>
-                        </a:rPr>
-                        <a:t>Confirmatory</a:t>
-                      </a:r>
-                      <a:r>
-                        <a:rPr lang="en-US" sz="2000" baseline="0" dirty="0">
-                          <a:effectLst/>
-                          <a:latin typeface="+mn-lt"/>
-                          <a:ea typeface="+mn-ea"/>
-                          <a:cs typeface="+mn-cs"/>
-                        </a:rPr>
-                        <a:t> factor analysis</a:t>
-                      </a:r>
-                      <a:endParaRPr lang="nl-NL" sz="2000" dirty="0">
-                        <a:effectLst/>
-                        <a:latin typeface="Calibri"/>
-                        <a:ea typeface="Calibri"/>
-                        <a:cs typeface="Times New Roman"/>
-                      </a:endParaRPr>
-                    </a:p>
-                  </a:txBody>
-                  <a:tcPr marL="68580" marR="68580" marT="0" marB="0"/>
-                </a:tc>
-                <a:tc gridSpan="2">
-                  <a:txBody>
-                    <a:bodyPr/>
-                    <a:lstStyle/>
-                    <a:p>
-                      <a:pPr marL="0" marR="0" indent="0" algn="ctr" defTabSz="914400" rtl="0" eaLnBrk="1" fontAlgn="auto" latinLnBrk="0" hangingPunct="1">
-                        <a:lnSpc>
-                          <a:spcPct val="115000"/>
-                        </a:lnSpc>
-                        <a:spcBef>
-                          <a:spcPts val="0"/>
-                        </a:spcBef>
-                        <a:spcAft>
-                          <a:spcPts val="0"/>
-                        </a:spcAft>
-                        <a:buClrTx/>
-                        <a:buSzTx/>
-                        <a:buFontTx/>
-                        <a:buNone/>
-                        <a:tabLst/>
-                        <a:defRPr/>
-                      </a:pPr>
-                      <a:r>
-                        <a:rPr lang="en-US" sz="2000" dirty="0">
-                          <a:effectLst/>
-                        </a:rPr>
-                        <a:t>Confirmatory</a:t>
-                      </a:r>
-                      <a:r>
-                        <a:rPr lang="en-US" sz="2000" baseline="0" dirty="0">
-                          <a:effectLst/>
-                        </a:rPr>
-                        <a:t> factor analysis 2: non-</a:t>
-                      </a:r>
-                      <a:r>
-                        <a:rPr kumimoji="0" lang="nl-NL" sz="2000" b="0" i="0" kern="1200" dirty="0" err="1">
-                          <a:solidFill>
-                            <a:schemeClr val="dk1"/>
-                          </a:solidFill>
-                          <a:effectLst/>
-                          <a:latin typeface="+mn-lt"/>
-                          <a:ea typeface="+mn-ea"/>
-                          <a:cs typeface="+mn-cs"/>
-                        </a:rPr>
-                        <a:t>continuous</a:t>
-                      </a:r>
-                      <a:r>
-                        <a:rPr kumimoji="0" lang="nl-NL" sz="2000" b="0" i="0" kern="1200" baseline="0" dirty="0">
-                          <a:solidFill>
-                            <a:schemeClr val="dk1"/>
-                          </a:solidFill>
-                          <a:effectLst/>
-                          <a:latin typeface="+mn-lt"/>
-                          <a:ea typeface="+mn-ea"/>
-                          <a:cs typeface="+mn-cs"/>
-                        </a:rPr>
-                        <a:t> </a:t>
-                      </a:r>
-                      <a:r>
-                        <a:rPr lang="en-US" sz="2000" baseline="0" dirty="0">
-                          <a:effectLst/>
-                        </a:rPr>
-                        <a:t>data</a:t>
-                      </a:r>
-                      <a:endParaRPr lang="nl-NL" sz="2000" dirty="0">
-                        <a:effectLst/>
-                      </a:endParaRPr>
-                    </a:p>
-                  </a:txBody>
-                  <a:tcPr marL="68580" marR="68580" marT="0" marB="0"/>
-                </a:tc>
-                <a:tc hMerge="1">
-                  <a:txBody>
-                    <a:bodyPr/>
-                    <a:lstStyle/>
-                    <a:p>
-                      <a:endParaRPr lang="nl-NL"/>
-                    </a:p>
-                  </a:txBody>
-                  <a:tcPr/>
-                </a:tc>
-                <a:tc>
-                  <a:txBody>
-                    <a:bodyPr/>
-                    <a:lstStyle/>
-                    <a:p>
-                      <a:pPr marL="0" marR="0" indent="0" algn="ctr" defTabSz="914400" rtl="0" eaLnBrk="1" fontAlgn="auto" latinLnBrk="0" hangingPunct="1">
-                        <a:lnSpc>
-                          <a:spcPct val="115000"/>
-                        </a:lnSpc>
-                        <a:spcBef>
-                          <a:spcPts val="0"/>
-                        </a:spcBef>
-                        <a:spcAft>
-                          <a:spcPts val="0"/>
-                        </a:spcAft>
-                        <a:buClrTx/>
-                        <a:buSzTx/>
-                        <a:buFontTx/>
-                        <a:buNone/>
-                        <a:tabLst/>
-                        <a:defRPr/>
-                      </a:pPr>
-                      <a:r>
-                        <a:rPr lang="en-US" sz="2000" dirty="0">
-                          <a:effectLst/>
-                        </a:rPr>
-                        <a:t>Miscellaneous</a:t>
-                      </a:r>
-                      <a:endParaRPr lang="nl-NL" sz="2000" dirty="0">
-                        <a:effectLst/>
-                      </a:endParaRPr>
-                    </a:p>
-                  </a:txBody>
-                  <a:tcPr marL="68580" marR="68580" marT="0" marB="0"/>
-                </a:tc>
-                <a:extLst>
-                  <a:ext uri="{0D108BD9-81ED-4DB2-BD59-A6C34878D82A}">
-                    <a16:rowId xmlns:a16="http://schemas.microsoft.com/office/drawing/2014/main" val="10003"/>
-                  </a:ext>
-                </a:extLst>
-              </a:tr>
-            </a:tbl>
-          </a:graphicData>
-        </a:graphic>
-      </p:graphicFrame>
-    </p:spTree>
-    <p:extLst>
-      <p:ext uri="{BB962C8B-B14F-4D97-AF65-F5344CB8AC3E}">
-        <p14:creationId xmlns:p14="http://schemas.microsoft.com/office/powerpoint/2010/main" val="2445103512"/>
-      </p:ext>
-    </p:extLst>
-  </p:cSld>
-  <p:clrMapOvr>
-    <a:masterClrMapping/>
-  </p:clrMapOvr>
-</p:sld>
-</file>
-
-<file path=ppt/slides/slide40.xml><?xml version="1.0" encoding="utf-8"?>
+<file path=ppt/slides/slide39.xml><?xml version="1.0" encoding="utf-8"?>
 <p:sld xmlns:a="http://schemas.openxmlformats.org/drawingml/2006/main" xmlns:r="http://schemas.openxmlformats.org/officeDocument/2006/relationships" xmlns:p="http://schemas.openxmlformats.org/presentationml/2006/main">
   <p:cSld>
     <p:spTree>
@@ -25586,7 +24515,764 @@
 </p:sld>
 </file>
 
-<file path=ppt/slides/slide41.xml><?xml version="1.0" encoding="utf-8"?>
+<file path=ppt/slides/slide4.xml><?xml version="1.0" encoding="utf-8"?>
+<p:sld xmlns:a="http://schemas.openxmlformats.org/drawingml/2006/main" xmlns:r="http://schemas.openxmlformats.org/officeDocument/2006/relationships" xmlns:p="http://schemas.openxmlformats.org/presentationml/2006/main">
+  <p:cSld>
+    <p:spTree>
+      <p:nvGrpSpPr>
+        <p:cNvPr id="1" name=""/>
+        <p:cNvGrpSpPr/>
+        <p:nvPr/>
+      </p:nvGrpSpPr>
+      <p:grpSpPr>
+        <a:xfrm>
+          <a:off x="0" y="0"/>
+          <a:ext cx="0" cy="0"/>
+          <a:chOff x="0" y="0"/>
+          <a:chExt cx="0" cy="0"/>
+        </a:xfrm>
+      </p:grpSpPr>
+      <p:sp>
+        <p:nvSpPr>
+          <p:cNvPr id="2" name="Titel 1"/>
+          <p:cNvSpPr>
+            <a:spLocks noGrp="1"/>
+          </p:cNvSpPr>
+          <p:nvPr>
+            <p:ph type="title"/>
+          </p:nvPr>
+        </p:nvSpPr>
+        <p:spPr/>
+        <p:txBody>
+          <a:bodyPr/>
+          <a:lstStyle/>
+          <a:p>
+            <a:r>
+              <a:rPr lang="en-US" dirty="0"/>
+              <a:t>Course schedule</a:t>
+            </a:r>
+            <a:endParaRPr lang="nl-NL" dirty="0"/>
+          </a:p>
+        </p:txBody>
+      </p:sp>
+      <p:graphicFrame>
+        <p:nvGraphicFramePr>
+          <p:cNvPr id="4" name="Content Placeholder 3"/>
+          <p:cNvGraphicFramePr>
+            <a:graphicFrameLocks noGrp="1"/>
+          </p:cNvGraphicFramePr>
+          <p:nvPr>
+            <p:ph sz="quarter" idx="1"/>
+            <p:extLst>
+              <p:ext uri="{D42A27DB-BD31-4B8C-83A1-F6EECF244321}">
+                <p14:modId xmlns:p14="http://schemas.microsoft.com/office/powerpoint/2010/main" val="1306798303"/>
+              </p:ext>
+            </p:extLst>
+          </p:nvPr>
+        </p:nvGraphicFramePr>
+        <p:xfrm>
+          <a:off x="467544" y="1628801"/>
+          <a:ext cx="8496943" cy="4824535"/>
+        </p:xfrm>
+        <a:graphic>
+          <a:graphicData uri="http://schemas.openxmlformats.org/drawingml/2006/table">
+            <a:tbl>
+              <a:tblPr firstRow="1" firstCol="1" bandRow="1">
+                <a:tableStyleId>{5C22544A-7EE6-4342-B048-85BDC9FD1C3A}</a:tableStyleId>
+              </a:tblPr>
+              <a:tblGrid>
+                <a:gridCol w="1098742">
+                  <a:extLst>
+                    <a:ext uri="{9D8B030D-6E8A-4147-A177-3AD203B41FA5}">
+                      <a16:colId xmlns:a16="http://schemas.microsoft.com/office/drawing/2014/main" val="20000"/>
+                    </a:ext>
+                  </a:extLst>
+                </a:gridCol>
+                <a:gridCol w="1808107">
+                  <a:extLst>
+                    <a:ext uri="{9D8B030D-6E8A-4147-A177-3AD203B41FA5}">
+                      <a16:colId xmlns:a16="http://schemas.microsoft.com/office/drawing/2014/main" val="20001"/>
+                    </a:ext>
+                  </a:extLst>
+                </a:gridCol>
+                <a:gridCol w="169630">
+                  <a:extLst>
+                    <a:ext uri="{9D8B030D-6E8A-4147-A177-3AD203B41FA5}">
+                      <a16:colId xmlns:a16="http://schemas.microsoft.com/office/drawing/2014/main" val="20002"/>
+                    </a:ext>
+                  </a:extLst>
+                </a:gridCol>
+                <a:gridCol w="2401813">
+                  <a:extLst>
+                    <a:ext uri="{9D8B030D-6E8A-4147-A177-3AD203B41FA5}">
+                      <a16:colId xmlns:a16="http://schemas.microsoft.com/office/drawing/2014/main" val="20003"/>
+                    </a:ext>
+                  </a:extLst>
+                </a:gridCol>
+                <a:gridCol w="3018651">
+                  <a:extLst>
+                    <a:ext uri="{9D8B030D-6E8A-4147-A177-3AD203B41FA5}">
+                      <a16:colId xmlns:a16="http://schemas.microsoft.com/office/drawing/2014/main" val="20004"/>
+                    </a:ext>
+                  </a:extLst>
+                </a:gridCol>
+              </a:tblGrid>
+              <a:tr h="837001">
+                <a:tc>
+                  <a:txBody>
+                    <a:bodyPr/>
+                    <a:lstStyle/>
+                    <a:p>
+                      <a:pPr algn="ctr">
+                        <a:lnSpc>
+                          <a:spcPct val="115000"/>
+                        </a:lnSpc>
+                        <a:spcBef>
+                          <a:spcPts val="600"/>
+                        </a:spcBef>
+                        <a:spcAft>
+                          <a:spcPts val="600"/>
+                        </a:spcAft>
+                      </a:pPr>
+                      <a:r>
+                        <a:rPr lang="en-US" sz="2000" dirty="0">
+                          <a:effectLst/>
+                        </a:rPr>
+                        <a:t> </a:t>
+                      </a:r>
+                      <a:endParaRPr lang="nl-NL" sz="2000" dirty="0">
+                        <a:effectLst/>
+                        <a:latin typeface="Calibri"/>
+                        <a:ea typeface="Calibri"/>
+                        <a:cs typeface="Times New Roman"/>
+                      </a:endParaRPr>
+                    </a:p>
+                  </a:txBody>
+                  <a:tcPr marL="36195" marR="36195" marT="0" marB="0"/>
+                </a:tc>
+                <a:tc gridSpan="2">
+                  <a:txBody>
+                    <a:bodyPr/>
+                    <a:lstStyle/>
+                    <a:p>
+                      <a:pPr algn="ctr">
+                        <a:lnSpc>
+                          <a:spcPct val="115000"/>
+                        </a:lnSpc>
+                        <a:spcBef>
+                          <a:spcPts val="600"/>
+                        </a:spcBef>
+                        <a:spcAft>
+                          <a:spcPts val="600"/>
+                        </a:spcAft>
+                      </a:pPr>
+                      <a:r>
+                        <a:rPr lang="en-US" sz="2000" dirty="0">
+                          <a:effectLst/>
+                        </a:rPr>
+                        <a:t>Monday 06.07.</a:t>
+                      </a:r>
+                      <a:endParaRPr lang="nl-NL" sz="2000" dirty="0">
+                        <a:effectLst/>
+                        <a:latin typeface="Calibri"/>
+                        <a:ea typeface="Calibri"/>
+                        <a:cs typeface="Times New Roman"/>
+                      </a:endParaRPr>
+                    </a:p>
+                  </a:txBody>
+                  <a:tcPr marL="36195" marR="36195" marT="0" marB="0"/>
+                </a:tc>
+                <a:tc hMerge="1">
+                  <a:txBody>
+                    <a:bodyPr/>
+                    <a:lstStyle/>
+                    <a:p>
+                      <a:pPr algn="ctr">
+                        <a:lnSpc>
+                          <a:spcPct val="115000"/>
+                        </a:lnSpc>
+                        <a:spcBef>
+                          <a:spcPts val="600"/>
+                        </a:spcBef>
+                        <a:spcAft>
+                          <a:spcPts val="600"/>
+                        </a:spcAft>
+                      </a:pPr>
+                      <a:endParaRPr lang="en-US" sz="2400" dirty="0">
+                        <a:effectLst/>
+                        <a:latin typeface="Calibri"/>
+                        <a:ea typeface="Calibri"/>
+                        <a:cs typeface="Times New Roman"/>
+                      </a:endParaRPr>
+                    </a:p>
+                  </a:txBody>
+                  <a:tcPr marL="36195" marR="36195" marT="0" marB="0"/>
+                </a:tc>
+                <a:tc>
+                  <a:txBody>
+                    <a:bodyPr/>
+                    <a:lstStyle/>
+                    <a:p>
+                      <a:pPr algn="ctr">
+                        <a:lnSpc>
+                          <a:spcPct val="115000"/>
+                        </a:lnSpc>
+                        <a:spcBef>
+                          <a:spcPts val="600"/>
+                        </a:spcBef>
+                        <a:spcAft>
+                          <a:spcPts val="600"/>
+                        </a:spcAft>
+                      </a:pPr>
+                      <a:r>
+                        <a:rPr lang="en-US" sz="2000" dirty="0">
+                          <a:effectLst/>
+                          <a:latin typeface="Calibri"/>
+                          <a:ea typeface="Calibri"/>
+                          <a:cs typeface="Times New Roman"/>
+                        </a:rPr>
+                        <a:t>Wednesday </a:t>
+                      </a:r>
+                      <a:r>
+                        <a:rPr lang="nl-NL" sz="2000" dirty="0">
+                          <a:effectLst/>
+                          <a:latin typeface="Calibri"/>
+                          <a:ea typeface="Calibri"/>
+                          <a:cs typeface="Times New Roman"/>
+                        </a:rPr>
+                        <a:t>08.07.</a:t>
+                      </a:r>
+                      <a:endParaRPr lang="en-US" sz="2000" dirty="0">
+                        <a:effectLst/>
+                        <a:latin typeface="Calibri"/>
+                        <a:ea typeface="Calibri"/>
+                        <a:cs typeface="Times New Roman"/>
+                      </a:endParaRPr>
+                    </a:p>
+                  </a:txBody>
+                  <a:tcPr marL="36195" marR="36195" marT="0" marB="0"/>
+                </a:tc>
+                <a:tc>
+                  <a:txBody>
+                    <a:bodyPr/>
+                    <a:lstStyle/>
+                    <a:p>
+                      <a:pPr algn="ctr">
+                        <a:lnSpc>
+                          <a:spcPct val="115000"/>
+                        </a:lnSpc>
+                        <a:spcBef>
+                          <a:spcPts val="600"/>
+                        </a:spcBef>
+                        <a:spcAft>
+                          <a:spcPts val="600"/>
+                        </a:spcAft>
+                      </a:pPr>
+                      <a:r>
+                        <a:rPr lang="en-US" sz="2000" dirty="0">
+                          <a:effectLst/>
+                          <a:latin typeface="Calibri"/>
+                          <a:ea typeface="Calibri"/>
+                          <a:cs typeface="Times New Roman"/>
+                        </a:rPr>
+                        <a:t>Friday 10.07.</a:t>
+                      </a:r>
+                    </a:p>
+                  </a:txBody>
+                  <a:tcPr marL="36195" marR="36195" marT="0" marB="0"/>
+                </a:tc>
+                <a:extLst>
+                  <a:ext uri="{0D108BD9-81ED-4DB2-BD59-A6C34878D82A}">
+                    <a16:rowId xmlns:a16="http://schemas.microsoft.com/office/drawing/2014/main" val="10000"/>
+                  </a:ext>
+                </a:extLst>
+              </a:tr>
+              <a:tr h="1391961">
+                <a:tc>
+                  <a:txBody>
+                    <a:bodyPr/>
+                    <a:lstStyle/>
+                    <a:p>
+                      <a:pPr algn="ctr">
+                        <a:lnSpc>
+                          <a:spcPct val="115000"/>
+                        </a:lnSpc>
+                        <a:spcBef>
+                          <a:spcPts val="600"/>
+                        </a:spcBef>
+                        <a:spcAft>
+                          <a:spcPts val="600"/>
+                        </a:spcAft>
+                      </a:pPr>
+                      <a:r>
+                        <a:rPr lang="en-US" sz="2000" dirty="0">
+                          <a:effectLst/>
+                        </a:rPr>
+                        <a:t>10:00-13:00</a:t>
+                      </a:r>
+                      <a:endParaRPr lang="nl-NL" sz="2000" dirty="0">
+                        <a:effectLst/>
+                        <a:latin typeface="Calibri"/>
+                        <a:ea typeface="Calibri"/>
+                        <a:cs typeface="Times New Roman"/>
+                      </a:endParaRPr>
+                    </a:p>
+                  </a:txBody>
+                  <a:tcPr marL="68580" marR="68580" marT="0" marB="0"/>
+                </a:tc>
+                <a:tc gridSpan="2">
+                  <a:txBody>
+                    <a:bodyPr/>
+                    <a:lstStyle/>
+                    <a:p>
+                      <a:pPr algn="ctr">
+                        <a:lnSpc>
+                          <a:spcPct val="115000"/>
+                        </a:lnSpc>
+                        <a:spcBef>
+                          <a:spcPts val="600"/>
+                        </a:spcBef>
+                        <a:spcAft>
+                          <a:spcPts val="600"/>
+                        </a:spcAft>
+                      </a:pPr>
+                      <a:r>
+                        <a:rPr lang="en-US" sz="2000" dirty="0">
+                          <a:effectLst/>
+                        </a:rPr>
+                        <a:t>Introduction / path models</a:t>
+                      </a:r>
+                      <a:endParaRPr lang="nl-NL" sz="2000" dirty="0">
+                        <a:effectLst/>
+                        <a:latin typeface="Calibri"/>
+                        <a:ea typeface="Calibri"/>
+                        <a:cs typeface="Times New Roman"/>
+                      </a:endParaRPr>
+                    </a:p>
+                  </a:txBody>
+                  <a:tcPr marL="68580" marR="68580" marT="0" marB="0"/>
+                </a:tc>
+                <a:tc hMerge="1">
+                  <a:txBody>
+                    <a:bodyPr/>
+                    <a:lstStyle/>
+                    <a:p>
+                      <a:pPr algn="ctr">
+                        <a:lnSpc>
+                          <a:spcPct val="115000"/>
+                        </a:lnSpc>
+                        <a:spcBef>
+                          <a:spcPts val="0"/>
+                        </a:spcBef>
+                        <a:spcAft>
+                          <a:spcPts val="0"/>
+                        </a:spcAft>
+                      </a:pPr>
+                      <a:endParaRPr lang="nl-NL" sz="2400" dirty="0">
+                        <a:effectLst/>
+                        <a:latin typeface="Calibri"/>
+                        <a:ea typeface="Calibri"/>
+                        <a:cs typeface="Times New Roman"/>
+                      </a:endParaRPr>
+                    </a:p>
+                  </a:txBody>
+                  <a:tcPr marL="68580" marR="68580" marT="0" marB="0"/>
+                </a:tc>
+                <a:tc>
+                  <a:txBody>
+                    <a:bodyPr/>
+                    <a:lstStyle/>
+                    <a:p>
+                      <a:pPr algn="ctr">
+                        <a:lnSpc>
+                          <a:spcPct val="115000"/>
+                        </a:lnSpc>
+                        <a:spcBef>
+                          <a:spcPts val="0"/>
+                        </a:spcBef>
+                        <a:spcAft>
+                          <a:spcPts val="0"/>
+                        </a:spcAft>
+                      </a:pPr>
+                      <a:r>
+                        <a:rPr lang="en-US" sz="2000" dirty="0">
+                          <a:effectLst/>
+                          <a:latin typeface="+mn-lt"/>
+                          <a:ea typeface="+mn-ea"/>
+                          <a:cs typeface="+mn-cs"/>
+                        </a:rPr>
+                        <a:t>Latent</a:t>
+                      </a:r>
+                      <a:r>
+                        <a:rPr lang="en-US" sz="2000" baseline="0" dirty="0">
+                          <a:effectLst/>
+                          <a:latin typeface="+mn-lt"/>
+                          <a:ea typeface="+mn-ea"/>
+                          <a:cs typeface="+mn-cs"/>
+                        </a:rPr>
+                        <a:t> growth curve models</a:t>
+                      </a:r>
+                      <a:endParaRPr lang="nl-NL" sz="2000" dirty="0">
+                        <a:effectLst/>
+                        <a:latin typeface="Calibri"/>
+                        <a:ea typeface="Calibri"/>
+                        <a:cs typeface="Times New Roman"/>
+                      </a:endParaRPr>
+                    </a:p>
+                  </a:txBody>
+                  <a:tcPr marL="68580" marR="68580" marT="0" marB="0"/>
+                </a:tc>
+                <a:tc>
+                  <a:txBody>
+                    <a:bodyPr/>
+                    <a:lstStyle/>
+                    <a:p>
+                      <a:pPr algn="ctr">
+                        <a:lnSpc>
+                          <a:spcPct val="115000"/>
+                        </a:lnSpc>
+                        <a:spcBef>
+                          <a:spcPts val="0"/>
+                        </a:spcBef>
+                        <a:spcAft>
+                          <a:spcPts val="0"/>
+                        </a:spcAft>
+                      </a:pPr>
+                      <a:r>
+                        <a:rPr lang="en-US" sz="2000" dirty="0">
+                          <a:effectLst/>
+                          <a:latin typeface="Calibri"/>
+                          <a:ea typeface="Calibri"/>
+                          <a:cs typeface="Times New Roman"/>
+                        </a:rPr>
+                        <a:t>Measurement</a:t>
+                      </a:r>
+                      <a:r>
+                        <a:rPr lang="en-US" sz="2000" baseline="0" dirty="0">
+                          <a:effectLst/>
+                          <a:latin typeface="Calibri"/>
+                          <a:ea typeface="Calibri"/>
+                          <a:cs typeface="Times New Roman"/>
+                        </a:rPr>
+                        <a:t> invariance / multiple group models</a:t>
+                      </a:r>
+                      <a:endParaRPr lang="nl-NL" sz="2000" dirty="0">
+                        <a:effectLst/>
+                        <a:latin typeface="Calibri"/>
+                        <a:ea typeface="Calibri"/>
+                        <a:cs typeface="Times New Roman"/>
+                      </a:endParaRPr>
+                    </a:p>
+                  </a:txBody>
+                  <a:tcPr marL="68580" marR="68580" marT="0" marB="0"/>
+                </a:tc>
+                <a:extLst>
+                  <a:ext uri="{0D108BD9-81ED-4DB2-BD59-A6C34878D82A}">
+                    <a16:rowId xmlns:a16="http://schemas.microsoft.com/office/drawing/2014/main" val="10001"/>
+                  </a:ext>
+                </a:extLst>
+              </a:tr>
+              <a:tr h="1113568">
+                <a:tc>
+                  <a:txBody>
+                    <a:bodyPr/>
+                    <a:lstStyle/>
+                    <a:p>
+                      <a:pPr algn="ctr">
+                        <a:lnSpc>
+                          <a:spcPct val="115000"/>
+                        </a:lnSpc>
+                        <a:spcBef>
+                          <a:spcPts val="600"/>
+                        </a:spcBef>
+                        <a:spcAft>
+                          <a:spcPts val="600"/>
+                        </a:spcAft>
+                      </a:pPr>
+                      <a:r>
+                        <a:rPr lang="en-US" sz="2000" dirty="0">
+                          <a:effectLst/>
+                        </a:rPr>
+                        <a:t>13:00-14:00</a:t>
+                      </a:r>
+                      <a:endParaRPr lang="nl-NL" sz="2000" dirty="0">
+                        <a:effectLst/>
+                        <a:latin typeface="Calibri"/>
+                        <a:ea typeface="Calibri"/>
+                        <a:cs typeface="Times New Roman"/>
+                      </a:endParaRPr>
+                    </a:p>
+                  </a:txBody>
+                  <a:tcPr marL="68580" marR="68580" marT="0" marB="0"/>
+                </a:tc>
+                <a:tc gridSpan="4">
+                  <a:txBody>
+                    <a:bodyPr/>
+                    <a:lstStyle/>
+                    <a:p>
+                      <a:pPr algn="ctr"/>
+                      <a:r>
+                        <a:rPr lang="en-US" sz="2000" dirty="0"/>
+                        <a:t>Lunch break</a:t>
+                      </a:r>
+                      <a:endParaRPr lang="nl-NL" sz="2000" dirty="0"/>
+                    </a:p>
+                  </a:txBody>
+                  <a:tcPr marL="68580" marR="68580" marT="0" marB="0"/>
+                </a:tc>
+                <a:tc hMerge="1">
+                  <a:txBody>
+                    <a:bodyPr/>
+                    <a:lstStyle/>
+                    <a:p>
+                      <a:endParaRPr lang="nl-NL" dirty="0"/>
+                    </a:p>
+                  </a:txBody>
+                  <a:tcPr marL="68580" marR="68580" marT="0" marB="0"/>
+                </a:tc>
+                <a:tc hMerge="1">
+                  <a:txBody>
+                    <a:bodyPr/>
+                    <a:lstStyle/>
+                    <a:p>
+                      <a:endParaRPr lang="nl-NL"/>
+                    </a:p>
+                  </a:txBody>
+                  <a:tcPr/>
+                </a:tc>
+                <a:tc hMerge="1">
+                  <a:txBody>
+                    <a:bodyPr/>
+                    <a:lstStyle/>
+                    <a:p>
+                      <a:endParaRPr lang="nl-NL" dirty="0"/>
+                    </a:p>
+                  </a:txBody>
+                  <a:tcPr marL="68580" marR="68580" marT="0" marB="0"/>
+                </a:tc>
+                <a:extLst>
+                  <a:ext uri="{0D108BD9-81ED-4DB2-BD59-A6C34878D82A}">
+                    <a16:rowId xmlns:a16="http://schemas.microsoft.com/office/drawing/2014/main" val="10002"/>
+                  </a:ext>
+                </a:extLst>
+              </a:tr>
+              <a:tr h="1482005">
+                <a:tc>
+                  <a:txBody>
+                    <a:bodyPr/>
+                    <a:lstStyle/>
+                    <a:p>
+                      <a:pPr algn="ctr">
+                        <a:lnSpc>
+                          <a:spcPct val="115000"/>
+                        </a:lnSpc>
+                        <a:spcBef>
+                          <a:spcPts val="600"/>
+                        </a:spcBef>
+                        <a:spcAft>
+                          <a:spcPts val="600"/>
+                        </a:spcAft>
+                      </a:pPr>
+                      <a:r>
+                        <a:rPr lang="en-US" sz="2000">
+                          <a:effectLst/>
+                        </a:rPr>
+                        <a:t>14:00-16:30</a:t>
+                      </a:r>
+                      <a:endParaRPr lang="nl-NL" sz="2000" dirty="0">
+                        <a:effectLst/>
+                        <a:latin typeface="Calibri"/>
+                        <a:ea typeface="Calibri"/>
+                        <a:cs typeface="Times New Roman"/>
+                      </a:endParaRPr>
+                    </a:p>
+                  </a:txBody>
+                  <a:tcPr marL="68580" marR="68580" marT="0" marB="0"/>
+                </a:tc>
+                <a:tc>
+                  <a:txBody>
+                    <a:bodyPr/>
+                    <a:lstStyle/>
+                    <a:p>
+                      <a:pPr algn="ctr">
+                        <a:lnSpc>
+                          <a:spcPct val="115000"/>
+                        </a:lnSpc>
+                        <a:spcBef>
+                          <a:spcPts val="600"/>
+                        </a:spcBef>
+                        <a:spcAft>
+                          <a:spcPts val="600"/>
+                        </a:spcAft>
+                      </a:pPr>
+                      <a:r>
+                        <a:rPr lang="en-US" sz="2000" dirty="0">
+                          <a:effectLst/>
+                          <a:latin typeface="+mn-lt"/>
+                          <a:ea typeface="+mn-ea"/>
+                          <a:cs typeface="+mn-cs"/>
+                        </a:rPr>
+                        <a:t>Confirmatory</a:t>
+                      </a:r>
+                      <a:r>
+                        <a:rPr lang="en-US" sz="2000" baseline="0" dirty="0">
+                          <a:effectLst/>
+                          <a:latin typeface="+mn-lt"/>
+                          <a:ea typeface="+mn-ea"/>
+                          <a:cs typeface="+mn-cs"/>
+                        </a:rPr>
+                        <a:t> factor analysis</a:t>
+                      </a:r>
+                      <a:endParaRPr lang="nl-NL" sz="2000" dirty="0">
+                        <a:effectLst/>
+                        <a:latin typeface="Calibri"/>
+                        <a:ea typeface="Calibri"/>
+                        <a:cs typeface="Times New Roman"/>
+                      </a:endParaRPr>
+                    </a:p>
+                  </a:txBody>
+                  <a:tcPr marL="68580" marR="68580" marT="0" marB="0"/>
+                </a:tc>
+                <a:tc gridSpan="2">
+                  <a:txBody>
+                    <a:bodyPr/>
+                    <a:lstStyle/>
+                    <a:p>
+                      <a:pPr marL="0" marR="0" indent="0" algn="ctr" defTabSz="914400" rtl="0" eaLnBrk="1" fontAlgn="auto" latinLnBrk="0" hangingPunct="1">
+                        <a:lnSpc>
+                          <a:spcPct val="115000"/>
+                        </a:lnSpc>
+                        <a:spcBef>
+                          <a:spcPts val="0"/>
+                        </a:spcBef>
+                        <a:spcAft>
+                          <a:spcPts val="0"/>
+                        </a:spcAft>
+                        <a:buClrTx/>
+                        <a:buSzTx/>
+                        <a:buFontTx/>
+                        <a:buNone/>
+                        <a:tabLst/>
+                        <a:defRPr/>
+                      </a:pPr>
+                      <a:r>
+                        <a:rPr lang="en-US" sz="2000" dirty="0">
+                          <a:effectLst/>
+                        </a:rPr>
+                        <a:t>Confirmatory</a:t>
+                      </a:r>
+                      <a:r>
+                        <a:rPr lang="en-US" sz="2000" baseline="0" dirty="0">
+                          <a:effectLst/>
+                        </a:rPr>
+                        <a:t> factor analysis 2: non-</a:t>
+                      </a:r>
+                      <a:r>
+                        <a:rPr kumimoji="0" lang="nl-NL" sz="2000" b="0" i="0" kern="1200" dirty="0" err="1">
+                          <a:solidFill>
+                            <a:schemeClr val="dk1"/>
+                          </a:solidFill>
+                          <a:effectLst/>
+                          <a:latin typeface="+mn-lt"/>
+                          <a:ea typeface="+mn-ea"/>
+                          <a:cs typeface="+mn-cs"/>
+                        </a:rPr>
+                        <a:t>continuous</a:t>
+                      </a:r>
+                      <a:r>
+                        <a:rPr kumimoji="0" lang="nl-NL" sz="2000" b="0" i="0" kern="1200" baseline="0" dirty="0">
+                          <a:solidFill>
+                            <a:schemeClr val="dk1"/>
+                          </a:solidFill>
+                          <a:effectLst/>
+                          <a:latin typeface="+mn-lt"/>
+                          <a:ea typeface="+mn-ea"/>
+                          <a:cs typeface="+mn-cs"/>
+                        </a:rPr>
+                        <a:t> </a:t>
+                      </a:r>
+                      <a:r>
+                        <a:rPr lang="en-US" sz="2000" baseline="0" dirty="0">
+                          <a:effectLst/>
+                        </a:rPr>
+                        <a:t>data</a:t>
+                      </a:r>
+                      <a:endParaRPr lang="nl-NL" sz="2000" dirty="0">
+                        <a:effectLst/>
+                      </a:endParaRPr>
+                    </a:p>
+                  </a:txBody>
+                  <a:tcPr marL="68580" marR="68580" marT="0" marB="0"/>
+                </a:tc>
+                <a:tc hMerge="1">
+                  <a:txBody>
+                    <a:bodyPr/>
+                    <a:lstStyle/>
+                    <a:p>
+                      <a:endParaRPr lang="nl-NL"/>
+                    </a:p>
+                  </a:txBody>
+                  <a:tcPr/>
+                </a:tc>
+                <a:tc>
+                  <a:txBody>
+                    <a:bodyPr/>
+                    <a:lstStyle/>
+                    <a:p>
+                      <a:pPr marL="0" marR="0" indent="0" algn="ctr" defTabSz="914400" rtl="0" eaLnBrk="1" fontAlgn="auto" latinLnBrk="0" hangingPunct="1">
+                        <a:lnSpc>
+                          <a:spcPct val="115000"/>
+                        </a:lnSpc>
+                        <a:spcBef>
+                          <a:spcPts val="0"/>
+                        </a:spcBef>
+                        <a:spcAft>
+                          <a:spcPts val="0"/>
+                        </a:spcAft>
+                        <a:buClrTx/>
+                        <a:buSzTx/>
+                        <a:buFontTx/>
+                        <a:buNone/>
+                        <a:tabLst/>
+                        <a:defRPr/>
+                      </a:pPr>
+                      <a:r>
+                        <a:rPr lang="en-US" sz="2000" dirty="0">
+                          <a:effectLst/>
+                        </a:rPr>
+                        <a:t>Miscellaneous</a:t>
+                      </a:r>
+                      <a:endParaRPr lang="nl-NL" sz="2000" dirty="0">
+                        <a:effectLst/>
+                      </a:endParaRPr>
+                    </a:p>
+                  </a:txBody>
+                  <a:tcPr marL="68580" marR="68580" marT="0" marB="0"/>
+                </a:tc>
+                <a:extLst>
+                  <a:ext uri="{0D108BD9-81ED-4DB2-BD59-A6C34878D82A}">
+                    <a16:rowId xmlns:a16="http://schemas.microsoft.com/office/drawing/2014/main" val="10003"/>
+                  </a:ext>
+                </a:extLst>
+              </a:tr>
+            </a:tbl>
+          </a:graphicData>
+        </a:graphic>
+      </p:graphicFrame>
+    </p:spTree>
+    <p:extLst>
+      <p:ext uri="{BB962C8B-B14F-4D97-AF65-F5344CB8AC3E}">
+        <p14:creationId xmlns:p14="http://schemas.microsoft.com/office/powerpoint/2010/main" val="2445103512"/>
+      </p:ext>
+    </p:extLst>
+  </p:cSld>
+  <p:clrMapOvr>
+    <a:masterClrMapping/>
+  </p:clrMapOvr>
+</p:sld>
+</file>
+
+<file path=ppt/slides/slide40.xml><?xml version="1.0" encoding="utf-8"?>
 <p:sld xmlns:a="http://schemas.openxmlformats.org/drawingml/2006/main" xmlns:r="http://schemas.openxmlformats.org/officeDocument/2006/relationships" xmlns:p="http://schemas.openxmlformats.org/presentationml/2006/main">
   <p:cSld>
     <p:spTree>
@@ -25673,7 +25359,7 @@
 </p:sld>
 </file>
 
-<file path=ppt/slides/slide42.xml><?xml version="1.0" encoding="utf-8"?>
+<file path=ppt/slides/slide41.xml><?xml version="1.0" encoding="utf-8"?>
 <p:sld xmlns:a="http://schemas.openxmlformats.org/drawingml/2006/main" xmlns:r="http://schemas.openxmlformats.org/officeDocument/2006/relationships" xmlns:p="http://schemas.openxmlformats.org/presentationml/2006/main">
   <p:cSld>
     <p:spTree>
@@ -25730,24 +25416,11 @@
           <a:p>
             <a:r>
               <a:rPr lang="en-US" dirty="0"/>
-              <a:t>See </a:t>
-            </a:r>
-            <a:r>
-              <a:rPr lang="en-US" dirty="0">
-                <a:hlinkClick r:id="rId3"/>
-              </a:rPr>
-              <a:t>https://github.com/marjoleinF/LVMbasic</a:t>
-            </a:r>
-            <a:endParaRPr lang="en-US" dirty="0"/>
-          </a:p>
-          <a:p>
-            <a:r>
-              <a:rPr lang="en-US" dirty="0"/>
-              <a:t> Password: </a:t>
-            </a:r>
-            <a:r>
-              <a:rPr lang="en-US" dirty="0" err="1"/>
-              <a:t>lav</a:t>
+              <a:t>Continue </a:t>
+            </a:r>
+            <a:r>
+              <a:rPr lang="en-US"/>
+              <a:t>with exercises</a:t>
             </a:r>
             <a:endParaRPr lang="en-US" dirty="0"/>
           </a:p>
